--- a/Student Presentation/devtools.pptx
+++ b/Student Presentation/devtools.pptx
@@ -5,7 +5,7 @@
     <p:sldMasterId id="2147483648" r:id="rId1"/>
   </p:sldMasterIdLst>
   <p:notesMasterIdLst>
-    <p:notesMasterId r:id="rId11"/>
+    <p:notesMasterId r:id="rId10"/>
   </p:notesMasterIdLst>
   <p:sldIdLst>
     <p:sldId id="256" r:id="rId2"/>
@@ -13,10 +13,9 @@
     <p:sldId id="261" r:id="rId4"/>
     <p:sldId id="260" r:id="rId5"/>
     <p:sldId id="262" r:id="rId6"/>
-    <p:sldId id="259" r:id="rId7"/>
+    <p:sldId id="263" r:id="rId7"/>
     <p:sldId id="264" r:id="rId8"/>
-    <p:sldId id="267" r:id="rId9"/>
-    <p:sldId id="268" r:id="rId10"/>
+    <p:sldId id="265" r:id="rId9"/>
   </p:sldIdLst>
   <p:sldSz cx="12192000" cy="6858000"/>
   <p:notesSz cx="6858000" cy="9144000"/>
@@ -126,7 +125,7 @@
 <file path=ppt/revisionInfo.xml><?xml version="1.0" encoding="utf-8"?>
 <p1510:revInfo xmlns:a="http://schemas.openxmlformats.org/drawingml/2006/main" xmlns:r="http://schemas.openxmlformats.org/officeDocument/2006/relationships" xmlns:p1510="http://schemas.microsoft.com/office/powerpoint/2015/10/main">
   <p1510:revLst>
-    <p1510:client id="{080AE4E0-BAF9-4F82-BE92-66B5E500368B}" v="5" dt="2022-10-03T22:59:27.876"/>
+    <p1510:client id="{080AE4E0-BAF9-4F82-BE92-66B5E500368B}" v="12" dt="2022-10-04T01:39:09.553"/>
   </p1510:revLst>
 </p1510:revInfo>
 </file>
@@ -135,8 +134,8 @@
 <pc:chgInfo xmlns:a="http://schemas.openxmlformats.org/drawingml/2006/main" xmlns:r="http://schemas.openxmlformats.org/officeDocument/2006/relationships" xmlns:ac="http://schemas.microsoft.com/office/drawing/2013/main/command" xmlns:pc="http://schemas.microsoft.com/office/powerpoint/2013/main/command">
   <pc:docChgLst>
     <pc:chgData name="Jose Giron" userId="2eec2bfe826d1e24" providerId="LiveId" clId="{080AE4E0-BAF9-4F82-BE92-66B5E500368B}"/>
-    <pc:docChg chg="undo custSel delSld modSld">
-      <pc:chgData name="Jose Giron" userId="2eec2bfe826d1e24" providerId="LiveId" clId="{080AE4E0-BAF9-4F82-BE92-66B5E500368B}" dt="2022-10-03T23:47:40.744" v="843" actId="6549"/>
+    <pc:docChg chg="undo custSel addSld delSld modSld sldOrd">
+      <pc:chgData name="Jose Giron" userId="2eec2bfe826d1e24" providerId="LiveId" clId="{080AE4E0-BAF9-4F82-BE92-66B5E500368B}" dt="2022-10-04T01:42:16.635" v="1128" actId="1076"/>
       <pc:docMkLst>
         <pc:docMk/>
       </pc:docMkLst>
@@ -233,6 +232,29 @@
           </ac:spMkLst>
         </pc:spChg>
       </pc:sldChg>
+      <pc:sldChg chg="modSp del mod modShow">
+        <pc:chgData name="Jose Giron" userId="2eec2bfe826d1e24" providerId="LiveId" clId="{080AE4E0-BAF9-4F82-BE92-66B5E500368B}" dt="2022-10-04T01:32:53.250" v="871" actId="47"/>
+        <pc:sldMkLst>
+          <pc:docMk/>
+          <pc:sldMk cId="3715975995" sldId="259"/>
+        </pc:sldMkLst>
+        <pc:spChg chg="mod">
+          <ac:chgData name="Jose Giron" userId="2eec2bfe826d1e24" providerId="LiveId" clId="{080AE4E0-BAF9-4F82-BE92-66B5E500368B}" dt="2022-10-04T00:34:27.726" v="845" actId="20577"/>
+          <ac:spMkLst>
+            <pc:docMk/>
+            <pc:sldMk cId="3715975995" sldId="259"/>
+            <ac:spMk id="2" creationId="{9917D819-851E-FA77-E701-00C35E33ACA8}"/>
+          </ac:spMkLst>
+        </pc:spChg>
+        <pc:spChg chg="mod">
+          <ac:chgData name="Jose Giron" userId="2eec2bfe826d1e24" providerId="LiveId" clId="{080AE4E0-BAF9-4F82-BE92-66B5E500368B}" dt="2022-10-04T00:34:30.076" v="846" actId="20577"/>
+          <ac:spMkLst>
+            <pc:docMk/>
+            <pc:sldMk cId="3715975995" sldId="259"/>
+            <ac:spMk id="3" creationId="{DCF4C9B5-FCD9-3594-27C8-BEC542C34915}"/>
+          </ac:spMkLst>
+        </pc:spChg>
+      </pc:sldChg>
       <pc:sldChg chg="addSp delSp modSp mod modNotesTx">
         <pc:chgData name="Jose Giron" userId="2eec2bfe826d1e24" providerId="LiveId" clId="{080AE4E0-BAF9-4F82-BE92-66B5E500368B}" dt="2022-10-03T23:44:03.517" v="837" actId="20577"/>
         <pc:sldMkLst>
@@ -343,14 +365,14 @@
           </ac:cxnSpMkLst>
         </pc:cxnChg>
       </pc:sldChg>
-      <pc:sldChg chg="modSp mod modNotesTx">
-        <pc:chgData name="Jose Giron" userId="2eec2bfe826d1e24" providerId="LiveId" clId="{080AE4E0-BAF9-4F82-BE92-66B5E500368B}" dt="2022-10-03T23:44:01.775" v="836" actId="20577"/>
+      <pc:sldChg chg="addSp modSp mod modNotesTx">
+        <pc:chgData name="Jose Giron" userId="2eec2bfe826d1e24" providerId="LiveId" clId="{080AE4E0-BAF9-4F82-BE92-66B5E500368B}" dt="2022-10-04T01:35:11.948" v="1018" actId="1076"/>
         <pc:sldMkLst>
           <pc:docMk/>
           <pc:sldMk cId="1480956492" sldId="262"/>
         </pc:sldMkLst>
         <pc:spChg chg="mod">
-          <ac:chgData name="Jose Giron" userId="2eec2bfe826d1e24" providerId="LiveId" clId="{080AE4E0-BAF9-4F82-BE92-66B5E500368B}" dt="2022-10-03T23:34:24.437" v="779" actId="20577"/>
+          <ac:chgData name="Jose Giron" userId="2eec2bfe826d1e24" providerId="LiveId" clId="{080AE4E0-BAF9-4F82-BE92-66B5E500368B}" dt="2022-10-04T01:32:49.170" v="870" actId="20577"/>
           <ac:spMkLst>
             <pc:docMk/>
             <pc:sldMk cId="1480956492" sldId="262"/>
@@ -358,16 +380,230 @@
           </ac:spMkLst>
         </pc:spChg>
         <pc:spChg chg="mod">
-          <ac:chgData name="Jose Giron" userId="2eec2bfe826d1e24" providerId="LiveId" clId="{080AE4E0-BAF9-4F82-BE92-66B5E500368B}" dt="2022-10-03T23:38:21.480" v="821" actId="20577"/>
+          <ac:chgData name="Jose Giron" userId="2eec2bfe826d1e24" providerId="LiveId" clId="{080AE4E0-BAF9-4F82-BE92-66B5E500368B}" dt="2022-10-04T01:34:56.296" v="1017" actId="20577"/>
           <ac:spMkLst>
             <pc:docMk/>
             <pc:sldMk cId="1480956492" sldId="262"/>
             <ac:spMk id="3" creationId="{DCF4C9B5-FCD9-3594-27C8-BEC542C34915}"/>
           </ac:spMkLst>
         </pc:spChg>
+        <pc:picChg chg="add mod">
+          <ac:chgData name="Jose Giron" userId="2eec2bfe826d1e24" providerId="LiveId" clId="{080AE4E0-BAF9-4F82-BE92-66B5E500368B}" dt="2022-10-04T01:34:28.284" v="970" actId="1076"/>
+          <ac:picMkLst>
+            <pc:docMk/>
+            <pc:sldMk cId="1480956492" sldId="262"/>
+            <ac:picMk id="6" creationId="{B9F39E40-EE68-8350-7AB6-C9E2A7DE2A13}"/>
+          </ac:picMkLst>
+        </pc:picChg>
+        <pc:picChg chg="add mod">
+          <ac:chgData name="Jose Giron" userId="2eec2bfe826d1e24" providerId="LiveId" clId="{080AE4E0-BAF9-4F82-BE92-66B5E500368B}" dt="2022-10-04T01:35:11.948" v="1018" actId="1076"/>
+          <ac:picMkLst>
+            <pc:docMk/>
+            <pc:sldMk cId="1480956492" sldId="262"/>
+            <ac:picMk id="8" creationId="{43E9336B-4587-9148-C170-7DDF9084500A}"/>
+          </ac:picMkLst>
+        </pc:picChg>
+        <pc:picChg chg="add mod modCrop">
+          <ac:chgData name="Jose Giron" userId="2eec2bfe826d1e24" providerId="LiveId" clId="{080AE4E0-BAF9-4F82-BE92-66B5E500368B}" dt="2022-10-04T01:34:43.141" v="976" actId="1076"/>
+          <ac:picMkLst>
+            <pc:docMk/>
+            <pc:sldMk cId="1480956492" sldId="262"/>
+            <ac:picMk id="10" creationId="{28455D55-B461-D783-E632-EAD0687CDFDD}"/>
+          </ac:picMkLst>
+        </pc:picChg>
       </pc:sldChg>
-      <pc:sldChg chg="modSp mod">
-        <pc:chgData name="Jose Giron" userId="2eec2bfe826d1e24" providerId="LiveId" clId="{080AE4E0-BAF9-4F82-BE92-66B5E500368B}" dt="2022-10-03T23:43:31.235" v="823" actId="20577"/>
+      <pc:sldChg chg="addSp delSp modSp new mod">
+        <pc:chgData name="Jose Giron" userId="2eec2bfe826d1e24" providerId="LiveId" clId="{080AE4E0-BAF9-4F82-BE92-66B5E500368B}" dt="2022-10-04T01:38:41.082" v="1080" actId="167"/>
+        <pc:sldMkLst>
+          <pc:docMk/>
+          <pc:sldMk cId="3027675841" sldId="263"/>
+        </pc:sldMkLst>
+        <pc:spChg chg="mod">
+          <ac:chgData name="Jose Giron" userId="2eec2bfe826d1e24" providerId="LiveId" clId="{080AE4E0-BAF9-4F82-BE92-66B5E500368B}" dt="2022-10-04T01:33:59.785" v="968" actId="108"/>
+          <ac:spMkLst>
+            <pc:docMk/>
+            <pc:sldMk cId="3027675841" sldId="263"/>
+            <ac:spMk id="2" creationId="{F5AB2953-DDBA-6F4F-0343-D164584BF2EB}"/>
+          </ac:spMkLst>
+        </pc:spChg>
+        <pc:spChg chg="mod">
+          <ac:chgData name="Jose Giron" userId="2eec2bfe826d1e24" providerId="LiveId" clId="{080AE4E0-BAF9-4F82-BE92-66B5E500368B}" dt="2022-10-04T01:35:22.138" v="1019" actId="108"/>
+          <ac:spMkLst>
+            <pc:docMk/>
+            <pc:sldMk cId="3027675841" sldId="263"/>
+            <ac:spMk id="3" creationId="{2EB41E12-E3B8-7E52-788C-D4E551DB7D9B}"/>
+          </ac:spMkLst>
+        </pc:spChg>
+        <pc:spChg chg="add mod ord">
+          <ac:chgData name="Jose Giron" userId="2eec2bfe826d1e24" providerId="LiveId" clId="{080AE4E0-BAF9-4F82-BE92-66B5E500368B}" dt="2022-10-04T01:38:41.082" v="1080" actId="167"/>
+          <ac:spMkLst>
+            <pc:docMk/>
+            <pc:sldMk cId="3027675841" sldId="263"/>
+            <ac:spMk id="8" creationId="{68A3D41A-8851-5020-9E7A-3D8BAE032826}"/>
+          </ac:spMkLst>
+        </pc:spChg>
+        <pc:picChg chg="add mod">
+          <ac:chgData name="Jose Giron" userId="2eec2bfe826d1e24" providerId="LiveId" clId="{080AE4E0-BAF9-4F82-BE92-66B5E500368B}" dt="2022-10-04T01:33:50.865" v="967" actId="14100"/>
+          <ac:picMkLst>
+            <pc:docMk/>
+            <pc:sldMk cId="3027675841" sldId="263"/>
+            <ac:picMk id="5" creationId="{3C7DFEA9-CB8B-443A-EB74-118B4A9C664E}"/>
+          </ac:picMkLst>
+        </pc:picChg>
+        <pc:picChg chg="add del">
+          <ac:chgData name="Jose Giron" userId="2eec2bfe826d1e24" providerId="LiveId" clId="{080AE4E0-BAF9-4F82-BE92-66B5E500368B}" dt="2022-10-04T01:36:05.439" v="1021" actId="22"/>
+          <ac:picMkLst>
+            <pc:docMk/>
+            <pc:sldMk cId="3027675841" sldId="263"/>
+            <ac:picMk id="7" creationId="{2DC0233E-42CC-82CB-0177-F16B575E81A9}"/>
+          </ac:picMkLst>
+        </pc:picChg>
+      </pc:sldChg>
+      <pc:sldChg chg="addSp delSp modSp new mod">
+        <pc:chgData name="Jose Giron" userId="2eec2bfe826d1e24" providerId="LiveId" clId="{080AE4E0-BAF9-4F82-BE92-66B5E500368B}" dt="2022-10-04T01:38:56.592" v="1083" actId="167"/>
+        <pc:sldMkLst>
+          <pc:docMk/>
+          <pc:sldMk cId="2593687861" sldId="264"/>
+        </pc:sldMkLst>
+        <pc:spChg chg="mod">
+          <ac:chgData name="Jose Giron" userId="2eec2bfe826d1e24" providerId="LiveId" clId="{080AE4E0-BAF9-4F82-BE92-66B5E500368B}" dt="2022-10-04T01:37:13.966" v="1057" actId="108"/>
+          <ac:spMkLst>
+            <pc:docMk/>
+            <pc:sldMk cId="2593687861" sldId="264"/>
+            <ac:spMk id="2" creationId="{C136BD94-A25D-CA37-71ED-8B05E015D590}"/>
+          </ac:spMkLst>
+        </pc:spChg>
+        <pc:spChg chg="del">
+          <ac:chgData name="Jose Giron" userId="2eec2bfe826d1e24" providerId="LiveId" clId="{080AE4E0-BAF9-4F82-BE92-66B5E500368B}" dt="2022-10-04T01:36:22.015" v="1023" actId="22"/>
+          <ac:spMkLst>
+            <pc:docMk/>
+            <pc:sldMk cId="2593687861" sldId="264"/>
+            <ac:spMk id="3" creationId="{33EF049F-18B4-51D9-F1E7-CEC1C27BE32A}"/>
+          </ac:spMkLst>
+        </pc:spChg>
+        <pc:spChg chg="add del mod">
+          <ac:chgData name="Jose Giron" userId="2eec2bfe826d1e24" providerId="LiveId" clId="{080AE4E0-BAF9-4F82-BE92-66B5E500368B}" dt="2022-10-04T01:37:58.581" v="1066" actId="478"/>
+          <ac:spMkLst>
+            <pc:docMk/>
+            <pc:sldMk cId="2593687861" sldId="264"/>
+            <ac:spMk id="12" creationId="{DD263DC8-F9A3-4CA2-21DB-A4613CEC0C25}"/>
+          </ac:spMkLst>
+        </pc:spChg>
+        <pc:spChg chg="add mod ord">
+          <ac:chgData name="Jose Giron" userId="2eec2bfe826d1e24" providerId="LiveId" clId="{080AE4E0-BAF9-4F82-BE92-66B5E500368B}" dt="2022-10-04T01:38:56.592" v="1083" actId="167"/>
+          <ac:spMkLst>
+            <pc:docMk/>
+            <pc:sldMk cId="2593687861" sldId="264"/>
+            <ac:spMk id="20" creationId="{4853213B-65D2-11EB-78CA-3C19E13CD190}"/>
+          </ac:spMkLst>
+        </pc:spChg>
+        <pc:grpChg chg="del mod">
+          <ac:chgData name="Jose Giron" userId="2eec2bfe826d1e24" providerId="LiveId" clId="{080AE4E0-BAF9-4F82-BE92-66B5E500368B}" dt="2022-10-04T01:37:45.366" v="1062" actId="165"/>
+          <ac:grpSpMkLst>
+            <pc:docMk/>
+            <pc:sldMk cId="2593687861" sldId="264"/>
+            <ac:grpSpMk id="9" creationId="{42FAD480-4BA8-800E-8895-53DC60CB0427}"/>
+          </ac:grpSpMkLst>
+        </pc:grpChg>
+        <pc:grpChg chg="add del mod">
+          <ac:chgData name="Jose Giron" userId="2eec2bfe826d1e24" providerId="LiveId" clId="{080AE4E0-BAF9-4F82-BE92-66B5E500368B}" dt="2022-10-04T01:38:02.237" v="1068" actId="478"/>
+          <ac:grpSpMkLst>
+            <pc:docMk/>
+            <pc:sldMk cId="2593687861" sldId="264"/>
+            <ac:grpSpMk id="10" creationId="{AD81ED4B-0F15-14B8-0D14-07CC38EB9BE7}"/>
+          </ac:grpSpMkLst>
+        </pc:grpChg>
+        <pc:grpChg chg="mod">
+          <ac:chgData name="Jose Giron" userId="2eec2bfe826d1e24" providerId="LiveId" clId="{080AE4E0-BAF9-4F82-BE92-66B5E500368B}" dt="2022-10-04T01:38:28.560" v="1078"/>
+          <ac:grpSpMkLst>
+            <pc:docMk/>
+            <pc:sldMk cId="2593687861" sldId="264"/>
+            <ac:grpSpMk id="19" creationId="{CF2C9DAF-4B8D-4998-FC1F-55922FE0435D}"/>
+          </ac:grpSpMkLst>
+        </pc:grpChg>
+        <pc:picChg chg="add del mod ord modCrop">
+          <ac:chgData name="Jose Giron" userId="2eec2bfe826d1e24" providerId="LiveId" clId="{080AE4E0-BAF9-4F82-BE92-66B5E500368B}" dt="2022-10-04T01:38:05.035" v="1071" actId="1076"/>
+          <ac:picMkLst>
+            <pc:docMk/>
+            <pc:sldMk cId="2593687861" sldId="264"/>
+            <ac:picMk id="5" creationId="{507C1A7C-EDAB-D5AC-7EDC-21E799A2C7B6}"/>
+          </ac:picMkLst>
+        </pc:picChg>
+        <pc:inkChg chg="add del">
+          <ac:chgData name="Jose Giron" userId="2eec2bfe826d1e24" providerId="LiveId" clId="{080AE4E0-BAF9-4F82-BE92-66B5E500368B}" dt="2022-10-04T01:38:00.585" v="1067" actId="478"/>
+          <ac:inkMkLst>
+            <pc:docMk/>
+            <pc:sldMk cId="2593687861" sldId="264"/>
+            <ac:inkMk id="6" creationId="{9CD35E4B-A8B2-1F67-C776-0291F8CCAD91}"/>
+          </ac:inkMkLst>
+        </pc:inkChg>
+        <pc:inkChg chg="add mod topLvl">
+          <ac:chgData name="Jose Giron" userId="2eec2bfe826d1e24" providerId="LiveId" clId="{080AE4E0-BAF9-4F82-BE92-66B5E500368B}" dt="2022-10-04T01:37:47.923" v="1063" actId="164"/>
+          <ac:inkMkLst>
+            <pc:docMk/>
+            <pc:sldMk cId="2593687861" sldId="264"/>
+            <ac:inkMk id="7" creationId="{8497F103-26F1-22E2-9693-8E6CE6A38496}"/>
+          </ac:inkMkLst>
+        </pc:inkChg>
+        <pc:inkChg chg="add mod topLvl">
+          <ac:chgData name="Jose Giron" userId="2eec2bfe826d1e24" providerId="LiveId" clId="{080AE4E0-BAF9-4F82-BE92-66B5E500368B}" dt="2022-10-04T01:37:47.923" v="1063" actId="164"/>
+          <ac:inkMkLst>
+            <pc:docMk/>
+            <pc:sldMk cId="2593687861" sldId="264"/>
+            <ac:inkMk id="8" creationId="{7532B96A-0651-77C1-E5EF-FF2D9228AED8}"/>
+          </ac:inkMkLst>
+        </pc:inkChg>
+        <pc:inkChg chg="add">
+          <ac:chgData name="Jose Giron" userId="2eec2bfe826d1e24" providerId="LiveId" clId="{080AE4E0-BAF9-4F82-BE92-66B5E500368B}" dt="2022-10-04T01:38:12.553" v="1072" actId="9405"/>
+          <ac:inkMkLst>
+            <pc:docMk/>
+            <pc:sldMk cId="2593687861" sldId="264"/>
+            <ac:inkMk id="13" creationId="{A8DD11A4-3F35-4947-5EA3-2F96C5E460D7}"/>
+          </ac:inkMkLst>
+        </pc:inkChg>
+        <pc:inkChg chg="add">
+          <ac:chgData name="Jose Giron" userId="2eec2bfe826d1e24" providerId="LiveId" clId="{080AE4E0-BAF9-4F82-BE92-66B5E500368B}" dt="2022-10-04T01:38:14.241" v="1073" actId="9405"/>
+          <ac:inkMkLst>
+            <pc:docMk/>
+            <pc:sldMk cId="2593687861" sldId="264"/>
+            <ac:inkMk id="14" creationId="{FBBC2585-ECF5-E1E9-4E94-0E2DA507D303}"/>
+          </ac:inkMkLst>
+        </pc:inkChg>
+        <pc:inkChg chg="add mod">
+          <ac:chgData name="Jose Giron" userId="2eec2bfe826d1e24" providerId="LiveId" clId="{080AE4E0-BAF9-4F82-BE92-66B5E500368B}" dt="2022-10-04T01:38:28.560" v="1078"/>
+          <ac:inkMkLst>
+            <pc:docMk/>
+            <pc:sldMk cId="2593687861" sldId="264"/>
+            <ac:inkMk id="15" creationId="{1B00EB98-6EF5-4A8B-EC6E-B06B616D0323}"/>
+          </ac:inkMkLst>
+        </pc:inkChg>
+        <pc:inkChg chg="add mod">
+          <ac:chgData name="Jose Giron" userId="2eec2bfe826d1e24" providerId="LiveId" clId="{080AE4E0-BAF9-4F82-BE92-66B5E500368B}" dt="2022-10-04T01:38:28.560" v="1078"/>
+          <ac:inkMkLst>
+            <pc:docMk/>
+            <pc:sldMk cId="2593687861" sldId="264"/>
+            <ac:inkMk id="16" creationId="{E5CE6972-62D9-0ACA-5A88-A2A6BCFEE40F}"/>
+          </ac:inkMkLst>
+        </pc:inkChg>
+        <pc:inkChg chg="add mod">
+          <ac:chgData name="Jose Giron" userId="2eec2bfe826d1e24" providerId="LiveId" clId="{080AE4E0-BAF9-4F82-BE92-66B5E500368B}" dt="2022-10-04T01:38:28.560" v="1078"/>
+          <ac:inkMkLst>
+            <pc:docMk/>
+            <pc:sldMk cId="2593687861" sldId="264"/>
+            <ac:inkMk id="17" creationId="{1D5FC8EA-A0F6-4760-0AFA-02F9ABFD1FAB}"/>
+          </ac:inkMkLst>
+        </pc:inkChg>
+        <pc:inkChg chg="add mod">
+          <ac:chgData name="Jose Giron" userId="2eec2bfe826d1e24" providerId="LiveId" clId="{080AE4E0-BAF9-4F82-BE92-66B5E500368B}" dt="2022-10-04T01:38:28.560" v="1078"/>
+          <ac:inkMkLst>
+            <pc:docMk/>
+            <pc:sldMk cId="2593687861" sldId="264"/>
+            <ac:inkMk id="18" creationId="{ADF655E1-B596-CD49-4DDA-D1A39197EFDC}"/>
+          </ac:inkMkLst>
+        </pc:inkChg>
+      </pc:sldChg>
+      <pc:sldChg chg="modSp del mod modShow">
+        <pc:chgData name="Jose Giron" userId="2eec2bfe826d1e24" providerId="LiveId" clId="{080AE4E0-BAF9-4F82-BE92-66B5E500368B}" dt="2022-10-04T01:32:54.520" v="872" actId="47"/>
         <pc:sldMkLst>
           <pc:docMk/>
           <pc:sldMk cId="3901861615" sldId="264"/>
@@ -389,8 +625,55 @@
           </ac:spMkLst>
         </pc:spChg>
       </pc:sldChg>
-      <pc:sldChg chg="addSp delSp modSp mod modNotesTx">
-        <pc:chgData name="Jose Giron" userId="2eec2bfe826d1e24" providerId="LiveId" clId="{080AE4E0-BAF9-4F82-BE92-66B5E500368B}" dt="2022-10-03T23:43:52.188" v="829" actId="478"/>
+      <pc:sldChg chg="addSp delSp modSp add mod ord">
+        <pc:chgData name="Jose Giron" userId="2eec2bfe826d1e24" providerId="LiveId" clId="{080AE4E0-BAF9-4F82-BE92-66B5E500368B}" dt="2022-10-04T01:42:16.635" v="1128" actId="1076"/>
+        <pc:sldMkLst>
+          <pc:docMk/>
+          <pc:sldMk cId="437206684" sldId="265"/>
+        </pc:sldMkLst>
+        <pc:spChg chg="mod">
+          <ac:chgData name="Jose Giron" userId="2eec2bfe826d1e24" providerId="LiveId" clId="{080AE4E0-BAF9-4F82-BE92-66B5E500368B}" dt="2022-10-04T01:42:07.429" v="1125"/>
+          <ac:spMkLst>
+            <pc:docMk/>
+            <pc:sldMk cId="437206684" sldId="265"/>
+            <ac:spMk id="2" creationId="{F5AB2953-DDBA-6F4F-0343-D164584BF2EB}"/>
+          </ac:spMkLst>
+        </pc:spChg>
+        <pc:spChg chg="del mod">
+          <ac:chgData name="Jose Giron" userId="2eec2bfe826d1e24" providerId="LiveId" clId="{080AE4E0-BAF9-4F82-BE92-66B5E500368B}" dt="2022-10-04T01:40:45.249" v="1111" actId="22"/>
+          <ac:spMkLst>
+            <pc:docMk/>
+            <pc:sldMk cId="437206684" sldId="265"/>
+            <ac:spMk id="3" creationId="{2EB41E12-E3B8-7E52-788C-D4E551DB7D9B}"/>
+          </ac:spMkLst>
+        </pc:spChg>
+        <pc:picChg chg="del">
+          <ac:chgData name="Jose Giron" userId="2eec2bfe826d1e24" providerId="LiveId" clId="{080AE4E0-BAF9-4F82-BE92-66B5E500368B}" dt="2022-10-04T01:40:09.608" v="1109" actId="478"/>
+          <ac:picMkLst>
+            <pc:docMk/>
+            <pc:sldMk cId="437206684" sldId="265"/>
+            <ac:picMk id="5" creationId="{3C7DFEA9-CB8B-443A-EB74-118B4A9C664E}"/>
+          </ac:picMkLst>
+        </pc:picChg>
+        <pc:picChg chg="add mod ord">
+          <ac:chgData name="Jose Giron" userId="2eec2bfe826d1e24" providerId="LiveId" clId="{080AE4E0-BAF9-4F82-BE92-66B5E500368B}" dt="2022-10-04T01:42:16.635" v="1128" actId="1076"/>
+          <ac:picMkLst>
+            <pc:docMk/>
+            <pc:sldMk cId="437206684" sldId="265"/>
+            <ac:picMk id="6" creationId="{F6E2293C-D12F-4B60-82C4-192F82CE9A27}"/>
+          </ac:picMkLst>
+        </pc:picChg>
+        <pc:picChg chg="add mod">
+          <ac:chgData name="Jose Giron" userId="2eec2bfe826d1e24" providerId="LiveId" clId="{080AE4E0-BAF9-4F82-BE92-66B5E500368B}" dt="2022-10-04T01:42:11.999" v="1127" actId="1076"/>
+          <ac:picMkLst>
+            <pc:docMk/>
+            <pc:sldMk cId="437206684" sldId="265"/>
+            <ac:picMk id="9" creationId="{2F481B27-9E46-2B37-83DA-C8E9C7B16199}"/>
+          </ac:picMkLst>
+        </pc:picChg>
+      </pc:sldChg>
+      <pc:sldChg chg="addSp delSp modSp del mod modShow modNotesTx">
+        <pc:chgData name="Jose Giron" userId="2eec2bfe826d1e24" providerId="LiveId" clId="{080AE4E0-BAF9-4F82-BE92-66B5E500368B}" dt="2022-10-04T01:32:55.611" v="873" actId="47"/>
         <pc:sldMkLst>
           <pc:docMk/>
           <pc:sldMk cId="2597589618" sldId="267"/>
@@ -428,8 +711,8 @@
           </ac:picMkLst>
         </pc:picChg>
       </pc:sldChg>
-      <pc:sldChg chg="delSp modSp mod">
-        <pc:chgData name="Jose Giron" userId="2eec2bfe826d1e24" providerId="LiveId" clId="{080AE4E0-BAF9-4F82-BE92-66B5E500368B}" dt="2022-10-03T23:43:57.403" v="835" actId="1076"/>
+      <pc:sldChg chg="delSp modSp del mod modShow">
+        <pc:chgData name="Jose Giron" userId="2eec2bfe826d1e24" providerId="LiveId" clId="{080AE4E0-BAF9-4F82-BE92-66B5E500368B}" dt="2022-10-04T01:32:56.866" v="874" actId="47"/>
         <pc:sldMkLst>
           <pc:docMk/>
           <pc:sldMk cId="2915599507" sldId="268"/>
@@ -1043,6 +1326,176 @@
     </pc:docChg>
   </pc:docChgLst>
 </pc:chgInfo>
+</file>
+
+<file path=ppt/ink/ink1.xml><?xml version="1.0" encoding="utf-8"?>
+<inkml:ink xmlns:inkml="http://www.w3.org/2003/InkML">
+  <inkml:definitions>
+    <inkml:context xml:id="ctx0">
+      <inkml:inkSource xml:id="inkSrc0">
+        <inkml:traceFormat>
+          <inkml:channel name="X" type="integer" min="-2.14748E9" max="2.14748E9" units="cm"/>
+          <inkml:channel name="Y" type="integer" min="-2.14748E9" max="2.14748E9" units="cm"/>
+        </inkml:traceFormat>
+        <inkml:channelProperties>
+          <inkml:channelProperty channel="X" name="resolution" value="1000" units="1/cm"/>
+          <inkml:channelProperty channel="Y" name="resolution" value="1000" units="1/cm"/>
+        </inkml:channelProperties>
+      </inkml:inkSource>
+      <inkml:timestamp xml:id="ts0" timeString="2022-10-04T01:38:12.551"/>
+    </inkml:context>
+    <inkml:brush xml:id="br0">
+      <inkml:brushProperty name="width" value="0.3" units="cm"/>
+      <inkml:brushProperty name="height" value="0.6" units="cm"/>
+      <inkml:brushProperty name="color" value="#FFFC00"/>
+      <inkml:brushProperty name="tip" value="rectangle"/>
+      <inkml:brushProperty name="rasterOp" value="maskPen"/>
+      <inkml:brushProperty name="ignorePressure" value="1"/>
+    </inkml:brush>
+  </inkml:definitions>
+  <inkml:trace contextRef="#ctx0" brushRef="#br0">0 1,'72'-1,"83"3,-75 14,-59-11,1-1,22 2,-7-3,67 15,156 49,-219-60,1-2,0-2,0-1,49-5,-2 0,-21 2,91 3,-80 13,-59-10,1 0,23 1,-15-4,0 2,0 1,32 11,-61-16,0 0,0 0,0 0,0 0,0 0,0 0,0 0,0 0,0 0,0 0,0 0,0 0,0 0,0 1,0-1,0 0,0 0,0 0,0 0,0 0,0 0,0 0,0 0,0 0,0 0,0 1,0-1,0 0,0 0,0 0,0 0,0 0,0 0,0 0,0 0,0 0,0 0,0 0,0 0,1 0,-1 0,0 0,0 1,0-1,0 0,0 0,0 0,0 0,0 0,0 0,0 0,0 0,0 0,1 0,-1 0,-13 2,-19 0,-1152-3,1160-1,0 0,0-2,-32-9,19 4,23 6,0-1,-1-1,1 0,-23-13,20 7</inkml:trace>
+</inkml:ink>
+</file>
+
+<file path=ppt/ink/ink2.xml><?xml version="1.0" encoding="utf-8"?>
+<inkml:ink xmlns:inkml="http://www.w3.org/2003/InkML">
+  <inkml:definitions>
+    <inkml:context xml:id="ctx0">
+      <inkml:inkSource xml:id="inkSrc0">
+        <inkml:traceFormat>
+          <inkml:channel name="X" type="integer" min="-2.14748E9" max="2.14748E9" units="cm"/>
+          <inkml:channel name="Y" type="integer" min="-2.14748E9" max="2.14748E9" units="cm"/>
+        </inkml:traceFormat>
+        <inkml:channelProperties>
+          <inkml:channelProperty channel="X" name="resolution" value="1000" units="1/cm"/>
+          <inkml:channelProperty channel="Y" name="resolution" value="1000" units="1/cm"/>
+        </inkml:channelProperties>
+      </inkml:inkSource>
+      <inkml:timestamp xml:id="ts0" timeString="2022-10-04T01:38:14.240"/>
+    </inkml:context>
+    <inkml:brush xml:id="br0">
+      <inkml:brushProperty name="width" value="0.3" units="cm"/>
+      <inkml:brushProperty name="height" value="0.6" units="cm"/>
+      <inkml:brushProperty name="color" value="#FFFC00"/>
+      <inkml:brushProperty name="tip" value="rectangle"/>
+      <inkml:brushProperty name="rasterOp" value="maskPen"/>
+      <inkml:brushProperty name="ignorePressure" value="1"/>
+    </inkml:brush>
+  </inkml:definitions>
+  <inkml:trace contextRef="#ctx0" brushRef="#br0">0 164,'3'0,"0"1,0 0,0 0,0 0,0 0,-1 1,1-1,3 3,10 5,272 96,-256-95,-12-3,0-1,0-1,0-1,25 1,-8-4,-17 0,1 0,-1 1,31 6,-28-2,-1-1,1-1,33 1,-48-5,0 0,1 0,-1-1,0 0,0-1,0 1,0-2,0 1,0-1,0 0,-1-1,1 1,6-6,-12 7,1-1,-1 1,1-1,-1 1,0-1,0 0,0 0,-1 0,1 0,-1 0,1-1,-1 1,0 0,0-1,-1 1,1 0,-1-1,1 1,-1-1,0 1,-1-1,1 1,0-1,-1 1,0 0,0-1,0 1,0 0,-2-4,0-1,-1 0,0 1,0-1,-1 1,1 0,-2 0,1 0,-1 1,0 0,-12-10,11 11,-11-8,0 1,0 1,-1 1,-27-11,25 13,0 1,0 0,-1 2,0 1,-28-3,21 5,-50-12,62 9,1 2,-1 0,-1 0,1 2,0 0,0 1,-1 1,-24 4,23-1,8-2,-1 1,1 0,0 1,-19 9,27-11,0 0,0 0,0 1,0-1,0 1,1 0,-1-1,1 1,0 0,0 0,0 1,0-1,0 0,1 1,-1-1,1 1,0-1,0 1,0 4,0 1,0-1,1 1,0-1,1 1,0 0,0-1,1 1,0-1,0 1,1-1,7 13,5 9,34 47,-16-24,-29-48,0-1,-1 1,1-1,1 1,-1-1,1 0,0-1,-1 1,12 5,-3-2,0-2,28 10,-19-9</inkml:trace>
+</inkml:ink>
+</file>
+
+<file path=ppt/ink/ink3.xml><?xml version="1.0" encoding="utf-8"?>
+<inkml:ink xmlns:inkml="http://www.w3.org/2003/InkML">
+  <inkml:definitions>
+    <inkml:context xml:id="ctx0">
+      <inkml:inkSource xml:id="inkSrc0">
+        <inkml:traceFormat>
+          <inkml:channel name="X" type="integer" min="-2.14748E9" max="2.14748E9" units="cm"/>
+          <inkml:channel name="Y" type="integer" min="-2.14748E9" max="2.14748E9" units="cm"/>
+          <inkml:channel name="F" type="integer" max="32767" units="dev"/>
+        </inkml:traceFormat>
+        <inkml:channelProperties>
+          <inkml:channelProperty channel="X" name="resolution" value="1000" units="1/cm"/>
+          <inkml:channelProperty channel="Y" name="resolution" value="1000" units="1/cm"/>
+          <inkml:channelProperty channel="F" name="resolution" value="0" units="1/dev"/>
+        </inkml:channelProperties>
+      </inkml:inkSource>
+      <inkml:timestamp xml:id="ts0" timeString="2022-10-04T01:38:21.615"/>
+    </inkml:context>
+    <inkml:brush xml:id="br0">
+      <inkml:brushProperty name="width" value="0.05" units="cm"/>
+      <inkml:brushProperty name="height" value="0.05" units="cm"/>
+      <inkml:brushProperty name="color" value="#E71224"/>
+    </inkml:brush>
+  </inkml:definitions>
+  <inkml:trace contextRef="#ctx0" brushRef="#br0">2 493 24575,'-1'83'0,"3"94"0,0-160 0,1 1 0,1 0 0,0-1 0,1 1 0,1-1 0,16 30 0,-19-43 0,0 0 0,0 0 0,0-1 0,0 0 0,1 1 0,0-1 0,-1 0 0,1-1 0,0 1 0,1-1 0,-1 0 0,0 0 0,9 3 0,8 1 0,38 7 0,-39-9 0,6 0 0,42 1 0,-45-4 0,-1 1 0,44 9 0,64 21 0,-108-25 0,44 6 0,8 2 0,-46-10 0,-1 0 0,1-1 0,0-2 0,40-1 0,27 1 0,-72 1 0,34 9 0,-36-7 0,43 5 0,35-10 0,-72-1 0,0 1 0,0 1 0,0 1 0,46 9 0,-43-3 0,1-2 0,0-2 0,40 2 0,96-8 0,-61 0 0,-55 3 0,60-3 0,-108 2 0,0-1 0,0 1 0,0-1 0,0 1 0,0-1 0,0 0 0,0-1 0,0 1 0,0 0 0,-1-1 0,1 0 0,0 1 0,-1-1 0,0 0 0,1 0 0,-1 0 0,0-1 0,0 1 0,0-1 0,0 1 0,0-1 0,-1 1 0,1-1 0,-1 0 0,0 0 0,0 0 0,0 0 0,0 0 0,1-5 0,0-9 0,0 0 0,-1 0 0,-1 0 0,-3-26 0,1-9 0,5 27 0,1 0 0,8-31 0,-5 25 0,7-19 0,-8 33 0,-2 0 0,5-28 0,-5 20 0,1 0 0,1 0 0,12-28 0,-8 23 0,10-44 0,-20 71 0,1-1 0,-1 0 0,1 1 0,-1-1 0,0 1 0,0-1 0,-1 1 0,1-1 0,-1 1 0,0-1 0,0 1 0,0 0 0,0-1 0,0 1 0,-1 0 0,1 0 0,-1 0 0,0 0 0,0 0 0,0 0 0,-5-4 0,2 2 0,-1 1 0,0 0 0,0 0 0,0 0 0,-1 1 0,0 0 0,1 0 0,-1 1 0,0 0 0,-8-2 0,-10-1 0,-1 2 0,-42-1 0,49 4 0,0-1 0,-1-1 0,1 0 0,0-1 0,0-2 0,-27-9 0,23 6 0,1 1 0,-1 1 0,-1 0 0,1 2 0,-1 1 0,1 1 0,-48 2 0,44-2 0,0-1 0,1 0 0,-1-2 0,-39-14 0,36 10 0,0 2 0,0 1 0,-34-3 0,31 6 0,-42-10 0,46 7 0,-61-5 0,66 9 0,0-1 0,1-2 0,0 0 0,-34-12 0,33 9 0,0 1 0,-1 1 0,-45-5 0,-85-11 0,83 10 0,6-4 0,-14-2 0,74 17 0,-1 1 0,1-1 0,-1 1 0,0 1 0,1-1 0,-1 1 0,1 0 0,-1 0 0,-9 4 0,10-2 0,1 0 0,0 0 0,0 0 0,0 1 0,0 0 0,0 0 0,1 0 0,0 0 0,-7 9 0,-30 50 0,32-48 0,1 2 0,0 0 0,2 0 0,0 0 0,1 1 0,0 0 0,-3 32 0,4-22 0,-14 48 0,10-55-455,2 1 0,-7 42 0,11-39-6371</inkml:trace>
+</inkml:ink>
+</file>
+
+<file path=ppt/ink/ink4.xml><?xml version="1.0" encoding="utf-8"?>
+<inkml:ink xmlns:inkml="http://www.w3.org/2003/InkML">
+  <inkml:definitions>
+    <inkml:context xml:id="ctx0">
+      <inkml:inkSource xml:id="inkSrc0">
+        <inkml:traceFormat>
+          <inkml:channel name="X" type="integer" min="-2.14748E9" max="2.14748E9" units="cm"/>
+          <inkml:channel name="Y" type="integer" min="-2.14748E9" max="2.14748E9" units="cm"/>
+          <inkml:channel name="F" type="integer" max="32767" units="dev"/>
+        </inkml:traceFormat>
+        <inkml:channelProperties>
+          <inkml:channelProperty channel="X" name="resolution" value="1000" units="1/cm"/>
+          <inkml:channelProperty channel="Y" name="resolution" value="1000" units="1/cm"/>
+          <inkml:channelProperty channel="F" name="resolution" value="0" units="1/dev"/>
+        </inkml:channelProperties>
+      </inkml:inkSource>
+      <inkml:timestamp xml:id="ts0" timeString="2022-10-04T01:38:22.918"/>
+    </inkml:context>
+    <inkml:brush xml:id="br0">
+      <inkml:brushProperty name="width" value="0.05" units="cm"/>
+      <inkml:brushProperty name="height" value="0.05" units="cm"/>
+      <inkml:brushProperty name="color" value="#E71224"/>
+    </inkml:brush>
+  </inkml:definitions>
+  <inkml:trace contextRef="#ctx0" brushRef="#br0">7465 0 24575,'-5897'0'0,"5864"2"0,1 1 0,-37 9 0,33-6 0,-54 4 0,66-9 0,-8-1 0,-1 2 0,-40 8 0,11-1 0,0-2 0,-123-3 0,168-5 0,-2 2 0,-1 1 0,1 1 0,-29 8 0,25-6 0,-44 6 0,36-9 0,-1 2 0,1 1 0,1 2 0,-1 1 0,-29 11 0,42-13 0,0-1 0,-1-1 0,-19 2 0,22-4 0,0 0 0,0 1 0,1 1 0,-29 11 0,24-6 0,-1-1 0,0-2 0,-1 0 0,-32 5 0,4 2-1365,29-6-5461</inkml:trace>
+</inkml:ink>
+</file>
+
+<file path=ppt/ink/ink5.xml><?xml version="1.0" encoding="utf-8"?>
+<inkml:ink xmlns:inkml="http://www.w3.org/2003/InkML">
+  <inkml:definitions>
+    <inkml:context xml:id="ctx0">
+      <inkml:inkSource xml:id="inkSrc0">
+        <inkml:traceFormat>
+          <inkml:channel name="X" type="integer" min="-2.14748E9" max="2.14748E9" units="cm"/>
+          <inkml:channel name="Y" type="integer" min="-2.14748E9" max="2.14748E9" units="cm"/>
+          <inkml:channel name="F" type="integer" max="32767" units="dev"/>
+        </inkml:traceFormat>
+        <inkml:channelProperties>
+          <inkml:channelProperty channel="X" name="resolution" value="1000" units="1/cm"/>
+          <inkml:channelProperty channel="Y" name="resolution" value="1000" units="1/cm"/>
+          <inkml:channelProperty channel="F" name="resolution" value="0" units="1/dev"/>
+        </inkml:channelProperties>
+      </inkml:inkSource>
+      <inkml:timestamp xml:id="ts0" timeString="2022-10-04T01:38:24.103"/>
+    </inkml:context>
+    <inkml:brush xml:id="br0">
+      <inkml:brushProperty name="width" value="0.05" units="cm"/>
+      <inkml:brushProperty name="height" value="0.05" units="cm"/>
+      <inkml:brushProperty name="color" value="#E71224"/>
+    </inkml:brush>
+  </inkml:definitions>
+  <inkml:trace contextRef="#ctx0" brushRef="#br0">428 1 24575,'1'10'0,"0"1"0,1 0 0,1 0 0,0-1 0,5 12 0,0 3 0,1 2 0,-5-18 0,-1 0 0,0 0 0,0 1 0,-1-1 0,1 12 0,-3-19 0,0 1 0,0-1 0,0 1 0,0-1 0,-1 0 0,1 1 0,-1-1 0,1 0 0,-1 1 0,0-1 0,0 0 0,0 0 0,0 0 0,-1 1 0,1-1 0,0-1 0,-1 1 0,0 0 0,1 0 0,-1 0 0,0-1 0,0 1 0,0-1 0,0 0 0,-4 3 0,-8 3 0,0-1 0,-1 0 0,0-1 0,0-1 0,-1 0 0,-25 3 0,-4-4 0,-44-2 0,-28 2 0,111-3 0,1 0 0,-1 1 0,0 0 0,0 0 0,1 1 0,-1-1 0,0 1 0,1 0 0,-10 6 0,15-8 0,0 0 0,0 0 0,0 0 0,0 0 0,0 0 0,-1 0 0,1 0 0,0 1 0,0-1 0,0 0 0,0 0 0,0 0 0,0 0 0,0 0 0,0 0 0,0 0 0,0 0 0,0 1 0,0-1 0,0 0 0,0 0 0,0 0 0,-1 0 0,1 0 0,0 0 0,0 0 0,0 1 0,0-1 0,0 0 0,1 0 0,-1 0 0,0 0 0,0 0 0,0 0 0,0 1 0,0-1 0,0 0 0,0 0 0,0 0 0,0 0 0,0 0 0,0 0 0,0 0 0,0 0 0,0 1 0,0-1 0,1 0 0,-1 0 0,0 0 0,0 0 0,10 4 0,11-1 0,-8-2 0,0-2 0,0 1 0,0-1 0,1-1 0,-1 0 0,-1-1 0,1-1 0,0 0 0,-1 0 0,0-2 0,0 1 0,0-1 0,-1-1 0,15-11 0,95-58 0,-24 11-1365,-81 54-5461</inkml:trace>
+</inkml:ink>
+</file>
+
+<file path=ppt/ink/ink6.xml><?xml version="1.0" encoding="utf-8"?>
+<inkml:ink xmlns:inkml="http://www.w3.org/2003/InkML">
+  <inkml:definitions>
+    <inkml:context xml:id="ctx0">
+      <inkml:inkSource xml:id="inkSrc0">
+        <inkml:traceFormat>
+          <inkml:channel name="X" type="integer" min="-2.14748E9" max="2.14748E9" units="cm"/>
+          <inkml:channel name="Y" type="integer" min="-2.14748E9" max="2.14748E9" units="cm"/>
+          <inkml:channel name="F" type="integer" max="32767" units="dev"/>
+        </inkml:traceFormat>
+        <inkml:channelProperties>
+          <inkml:channelProperty channel="X" name="resolution" value="1000" units="1/cm"/>
+          <inkml:channelProperty channel="Y" name="resolution" value="1000" units="1/cm"/>
+          <inkml:channelProperty channel="F" name="resolution" value="0" units="1/dev"/>
+        </inkml:channelProperties>
+      </inkml:inkSource>
+      <inkml:timestamp xml:id="ts0" timeString="2022-10-04T01:38:27.824"/>
+    </inkml:context>
+    <inkml:brush xml:id="br0">
+      <inkml:brushProperty name="width" value="0.05" units="cm"/>
+      <inkml:brushProperty name="height" value="0.05" units="cm"/>
+      <inkml:brushProperty name="color" value="#E71224"/>
+    </inkml:brush>
+  </inkml:definitions>
+  <inkml:trace contextRef="#ctx0" brushRef="#br0">394 11 24575,'-7'-1'0,"-1"1"0,1 1 0,0-1 0,0 1 0,-1 1 0,1-1 0,0 1 0,0 0 0,0 1 0,1 0 0,-1 0 0,1 0 0,-1 1 0,1 0 0,0 0 0,0 0 0,1 1 0,-1 0 0,1 0 0,0 1 0,1-1 0,-6 9 0,0-1 0,-1 0 0,0-1 0,-1-1 0,0 1 0,0-2 0,-2 0 0,1 0 0,-15 7 0,20-12 0,0 1 0,1 0 0,0 1 0,0-1 0,-11 15 0,10-12 0,0 0 0,0-1 0,-13 11 0,20-18 0,0-1 0,-1 1 0,1 0 0,0 0 0,0 0 0,0-1 0,-1 2 0,1-1 0,0 0 0,0 0 0,1 0 0,-1 0 0,0 0 0,0 1 0,1-1 0,-1 0 0,0 1 0,1-1 0,-1 1 0,1-1 0,0 1 0,-1-1 0,1 0 0,0 1 0,0-1 0,0 1 0,0-1 0,0 1 0,1 2 0,0-2 0,1 0 0,0 1 0,-1-1 0,1 0 0,0-1 0,0 1 0,0 0 0,0 0 0,0-1 0,0 1 0,0-1 0,1 0 0,-1 0 0,1 0 0,-1 0 0,1 0 0,2 0 0,23 5 0,0-1 0,1-2 0,-1 0 0,1-2 0,48-5 0,-7 2 0,-27 3 0,-31 0 0,1 0 0,0-1 0,0-1 0,0 1 0,-1-2 0,25-6 0,-35 8 0,-1-1 0,1 1 0,-1-1 0,1 1 0,-1-1 0,0 0 0,0 1 0,1-1 0,-1 0 0,0 0 0,0 0 0,0 0 0,0 0 0,0 0 0,0 0 0,0-1 0,0 1 0,0 0 0,0 0 0,-1-1 0,1 1 0,-1-1 0,1 1 0,-1 0 0,1-1 0,-1 1 0,0-1 0,0 1 0,0-1 0,0 1 0,0-1 0,0 1 0,0-1 0,0 1 0,0-1 0,-1 1 0,1-1 0,-1 1 0,1 0 0,-1-1 0,-1-1 0,-3-7 0,-1 0 0,-1 0 0,0 1 0,-13-15 0,1 1 0,8 6 0,1-1 0,1 0 0,-13-37 0,-10-20 0,30 71 0,0 0 0,0 0 0,0 0 0,-1 0 0,0 0 0,0 0 0,-5-4 0,7 7 0,0 0 0,0 1 0,-1-1 0,1 1 0,0-1 0,-1 1 0,1-1 0,0 1 0,-1 0 0,1 0 0,-1-1 0,1 1 0,0 0 0,-1 0 0,1 1 0,-1-1 0,1 0 0,0 0 0,-1 1 0,1-1 0,0 0 0,-1 1 0,1 0 0,0-1 0,0 1 0,-1 0 0,1-1 0,-2 3 0,-7 4 0,1 1 0,-1 1 0,1-1 0,-10 14 0,-23 21 0,41-42 0,-6 4 0,0 1 0,1 0 0,-1 1 0,1 0 0,-5 7 0,10-13 0,0 0 0,1 0 0,-1 0 0,1 0 0,-1 1 0,1-1 0,-1 0 0,1 0 0,-1 0 0,1 0 0,0 1 0,0-1 0,0 0 0,-1 0 0,1 1 0,0-1 0,1 0 0,-1 0 0,0 1 0,0-1 0,0 0 0,1 0 0,-1 0 0,1 1 0,-1-1 0,1 0 0,-1 0 0,1 0 0,0 0 0,-1 0 0,1 0 0,0 0 0,0 0 0,0 0 0,0-1 0,0 1 0,0 0 0,0 0 0,0-1 0,0 1 0,0-1 0,0 1 0,0-1 0,1 1 0,-1-1 0,0 0 0,2 1 0,23 8-455,2 0 0,47 8 0,-49-13-6371</inkml:trace>
+</inkml:ink>
 </file>
 
 <file path=ppt/notesMasters/notesMaster1.xml><?xml version="1.0" encoding="utf-8"?>
@@ -1459,7 +1912,7 @@
           <a:p>
             <a:fld id="{B550150B-B319-4329-8BD6-30423CB3C447}" type="slidenum">
               <a:rPr lang="en-US" smtClean="0"/>
-              <a:t>2</a:t>
+              <a:t>1</a:t>
             </a:fld>
             <a:endParaRPr lang="en-US"/>
           </a:p>
@@ -1468,7 +1921,7 @@
     </p:spTree>
     <p:extLst>
       <p:ext uri="{BB962C8B-B14F-4D97-AF65-F5344CB8AC3E}">
-        <p14:creationId xmlns:p14="http://schemas.microsoft.com/office/powerpoint/2010/main" val="1504543922"/>
+        <p14:creationId xmlns:p14="http://schemas.microsoft.com/office/powerpoint/2010/main" val="3702735905"/>
       </p:ext>
     </p:extLst>
   </p:cSld>
@@ -1543,7 +1996,7 @@
           <a:p>
             <a:fld id="{B550150B-B319-4329-8BD6-30423CB3C447}" type="slidenum">
               <a:rPr lang="en-US" smtClean="0"/>
-              <a:t>3</a:t>
+              <a:t>2</a:t>
             </a:fld>
             <a:endParaRPr lang="en-US"/>
           </a:p>
@@ -1552,7 +2005,7 @@
     </p:spTree>
     <p:extLst>
       <p:ext uri="{BB962C8B-B14F-4D97-AF65-F5344CB8AC3E}">
-        <p14:creationId xmlns:p14="http://schemas.microsoft.com/office/powerpoint/2010/main" val="1214227049"/>
+        <p14:creationId xmlns:p14="http://schemas.microsoft.com/office/powerpoint/2010/main" val="1504543922"/>
       </p:ext>
     </p:extLst>
   </p:cSld>
@@ -1627,7 +2080,7 @@
           <a:p>
             <a:fld id="{B550150B-B319-4329-8BD6-30423CB3C447}" type="slidenum">
               <a:rPr lang="en-US" smtClean="0"/>
-              <a:t>4</a:t>
+              <a:t>3</a:t>
             </a:fld>
             <a:endParaRPr lang="en-US"/>
           </a:p>
@@ -1636,7 +2089,7 @@
     </p:spTree>
     <p:extLst>
       <p:ext uri="{BB962C8B-B14F-4D97-AF65-F5344CB8AC3E}">
-        <p14:creationId xmlns:p14="http://schemas.microsoft.com/office/powerpoint/2010/main" val="643820856"/>
+        <p14:creationId xmlns:p14="http://schemas.microsoft.com/office/powerpoint/2010/main" val="1214227049"/>
       </p:ext>
     </p:extLst>
   </p:cSld>
@@ -1711,7 +2164,7 @@
           <a:p>
             <a:fld id="{B550150B-B319-4329-8BD6-30423CB3C447}" type="slidenum">
               <a:rPr lang="en-US" smtClean="0"/>
-              <a:t>5</a:t>
+              <a:t>4</a:t>
             </a:fld>
             <a:endParaRPr lang="en-US"/>
           </a:p>
@@ -1720,7 +2173,7 @@
     </p:spTree>
     <p:extLst>
       <p:ext uri="{BB962C8B-B14F-4D97-AF65-F5344CB8AC3E}">
-        <p14:creationId xmlns:p14="http://schemas.microsoft.com/office/powerpoint/2010/main" val="964882764"/>
+        <p14:creationId xmlns:p14="http://schemas.microsoft.com/office/powerpoint/2010/main" val="643820856"/>
       </p:ext>
     </p:extLst>
   </p:cSld>
@@ -1795,7 +2248,7 @@
           <a:p>
             <a:fld id="{B550150B-B319-4329-8BD6-30423CB3C447}" type="slidenum">
               <a:rPr lang="en-US" smtClean="0"/>
-              <a:t>8</a:t>
+              <a:t>5</a:t>
             </a:fld>
             <a:endParaRPr lang="en-US"/>
           </a:p>
@@ -1804,137 +2257,7 @@
     </p:spTree>
     <p:extLst>
       <p:ext uri="{BB962C8B-B14F-4D97-AF65-F5344CB8AC3E}">
-        <p14:creationId xmlns:p14="http://schemas.microsoft.com/office/powerpoint/2010/main" val="665891224"/>
-      </p:ext>
-    </p:extLst>
-  </p:cSld>
-  <p:clrMapOvr>
-    <a:masterClrMapping/>
-  </p:clrMapOvr>
-</p:notes>
-</file>
-
-<file path=ppt/notesSlides/notesSlide6.xml><?xml version="1.0" encoding="utf-8"?>
-<p:notes xmlns:a="http://schemas.openxmlformats.org/drawingml/2006/main" xmlns:r="http://schemas.openxmlformats.org/officeDocument/2006/relationships" xmlns:p="http://schemas.openxmlformats.org/presentationml/2006/main">
-  <p:cSld>
-    <p:spTree>
-      <p:nvGrpSpPr>
-        <p:cNvPr id="1" name=""/>
-        <p:cNvGrpSpPr/>
-        <p:nvPr/>
-      </p:nvGrpSpPr>
-      <p:grpSpPr>
-        <a:xfrm>
-          <a:off x="0" y="0"/>
-          <a:ext cx="0" cy="0"/>
-          <a:chOff x="0" y="0"/>
-          <a:chExt cx="0" cy="0"/>
-        </a:xfrm>
-      </p:grpSpPr>
-      <p:sp>
-        <p:nvSpPr>
-          <p:cNvPr id="2" name="Slide Image Placeholder 1"/>
-          <p:cNvSpPr>
-            <a:spLocks noGrp="1" noRot="1" noChangeAspect="1"/>
-          </p:cNvSpPr>
-          <p:nvPr>
-            <p:ph type="sldImg"/>
-          </p:nvPr>
-        </p:nvSpPr>
-        <p:spPr/>
-      </p:sp>
-      <p:sp>
-        <p:nvSpPr>
-          <p:cNvPr id="3" name="Notes Placeholder 2"/>
-          <p:cNvSpPr>
-            <a:spLocks noGrp="1"/>
-          </p:cNvSpPr>
-          <p:nvPr>
-            <p:ph type="body" idx="1"/>
-          </p:nvPr>
-        </p:nvSpPr>
-        <p:spPr/>
-        <p:txBody>
-          <a:bodyPr/>
-          <a:lstStyle/>
-          <a:p>
-            <a:r>
-              <a:rPr lang="en-US" b="0" i="0" dirty="0">
-                <a:solidFill>
-                  <a:srgbClr val="000000"/>
-                </a:solidFill>
-                <a:effectLst/>
-                <a:latin typeface="Verdana" panose="020B0604030504040204" pitchFamily="34" charset="0"/>
-              </a:rPr>
-              <a:t>In its simplest use, you only specify the horizontal shadow (2px) and the vertical shadow (2px): </a:t>
-            </a:r>
-            <a:br>
-              <a:rPr lang="en-US" b="0" i="0" dirty="0">
-                <a:solidFill>
-                  <a:srgbClr val="000000"/>
-                </a:solidFill>
-                <a:effectLst/>
-                <a:latin typeface="Verdana" panose="020B0604030504040204" pitchFamily="34" charset="0"/>
-              </a:rPr>
-            </a:br>
-            <a:r>
-              <a:rPr lang="en-US" b="0" i="0" dirty="0">
-                <a:solidFill>
-                  <a:srgbClr val="000000"/>
-                </a:solidFill>
-                <a:effectLst/>
-                <a:latin typeface="Verdana" panose="020B0604030504040204" pitchFamily="34" charset="0"/>
-              </a:rPr>
-              <a:t>Since for most of us English is not our native tongue let me bring to the table the meaning of offset: “</a:t>
-            </a:r>
-            <a:r>
-              <a:rPr lang="en-US" b="0" i="0" dirty="0">
-                <a:effectLst/>
-                <a:latin typeface="Roboto" panose="02000000000000000000" pitchFamily="2" charset="0"/>
-              </a:rPr>
-              <a:t>the amount or distance by which something is out of line”</a:t>
-            </a:r>
-            <a:r>
-              <a:rPr lang="en-US" b="0" i="0" dirty="0">
-                <a:solidFill>
-                  <a:srgbClr val="000000"/>
-                </a:solidFill>
-                <a:effectLst/>
-                <a:latin typeface="Verdana" panose="020B0604030504040204" pitchFamily="34" charset="0"/>
-              </a:rPr>
-              <a:t> </a:t>
-            </a:r>
-            <a:endParaRPr lang="en-US" dirty="0"/>
-          </a:p>
-        </p:txBody>
-      </p:sp>
-      <p:sp>
-        <p:nvSpPr>
-          <p:cNvPr id="4" name="Slide Number Placeholder 3"/>
-          <p:cNvSpPr>
-            <a:spLocks noGrp="1"/>
-          </p:cNvSpPr>
-          <p:nvPr>
-            <p:ph type="sldNum" sz="quarter" idx="5"/>
-          </p:nvPr>
-        </p:nvSpPr>
-        <p:spPr/>
-        <p:txBody>
-          <a:bodyPr/>
-          <a:lstStyle/>
-          <a:p>
-            <a:fld id="{B550150B-B319-4329-8BD6-30423CB3C447}" type="slidenum">
-              <a:rPr lang="en-US" smtClean="0"/>
-              <a:t>9</a:t>
-            </a:fld>
-            <a:endParaRPr lang="en-US"/>
-          </a:p>
-        </p:txBody>
-      </p:sp>
-    </p:spTree>
-    <p:extLst>
-      <p:ext uri="{BB962C8B-B14F-4D97-AF65-F5344CB8AC3E}">
-        <p14:creationId xmlns:p14="http://schemas.microsoft.com/office/powerpoint/2010/main" val="1631922497"/>
+        <p14:creationId xmlns:p14="http://schemas.microsoft.com/office/powerpoint/2010/main" val="964882764"/>
       </p:ext>
     </p:extLst>
   </p:cSld>
@@ -6754,7 +7077,7 @@
             </a:r>
             <a:r>
               <a:rPr lang="en-US" dirty="0" err="1"/>
-              <a:t>devtools</a:t>
+              <a:t>Devtools</a:t>
             </a:r>
             <a:r>
               <a:rPr lang="en-US" dirty="0"/>
@@ -6819,7 +7142,7 @@
                   </a:schemeClr>
                 </a:solidFill>
               </a:rPr>
-              <a:t>Add a class</a:t>
+              <a:t>Copy style from one element to another</a:t>
             </a:r>
           </a:p>
           <a:p>
@@ -6831,15 +7154,8 @@
                   </a:schemeClr>
                 </a:solidFill>
               </a:rPr>
-              <a:t>Box model</a:t>
-            </a:r>
-          </a:p>
-          <a:p>
-            <a:endParaRPr lang="en-US" dirty="0">
-              <a:solidFill>
-                <a:srgbClr val="00B050"/>
-              </a:solidFill>
-            </a:endParaRPr>
+              <a:t>Add a class</a:t>
+            </a:r>
           </a:p>
           <a:p>
             <a:pPr marL="0" indent="0">
@@ -6853,8 +7169,149 @@
               </a:solidFill>
             </a:endParaRPr>
           </a:p>
-        </p:txBody>
-      </p:sp>
+          <a:p>
+            <a:pPr marL="0" indent="0">
+              <a:buNone/>
+            </a:pPr>
+            <a:endParaRPr lang="en-US" dirty="0">
+              <a:solidFill>
+                <a:schemeClr val="accent1">
+                  <a:lumMod val="75000"/>
+                </a:schemeClr>
+              </a:solidFill>
+            </a:endParaRPr>
+          </a:p>
+          <a:p>
+            <a:r>
+              <a:rPr lang="en-US" dirty="0">
+                <a:solidFill>
+                  <a:schemeClr val="accent1">
+                    <a:lumMod val="75000"/>
+                  </a:schemeClr>
+                </a:solidFill>
+              </a:rPr>
+              <a:t>Box model</a:t>
+            </a:r>
+          </a:p>
+          <a:p>
+            <a:endParaRPr lang="en-US" dirty="0">
+              <a:solidFill>
+                <a:schemeClr val="accent1">
+                  <a:lumMod val="75000"/>
+                </a:schemeClr>
+              </a:solidFill>
+            </a:endParaRPr>
+          </a:p>
+          <a:p>
+            <a:endParaRPr lang="en-US" dirty="0">
+              <a:solidFill>
+                <a:srgbClr val="00B050"/>
+              </a:solidFill>
+            </a:endParaRPr>
+          </a:p>
+          <a:p>
+            <a:pPr marL="0" indent="0">
+              <a:buNone/>
+            </a:pPr>
+            <a:endParaRPr lang="en-US" dirty="0">
+              <a:solidFill>
+                <a:schemeClr val="accent1">
+                  <a:lumMod val="75000"/>
+                </a:schemeClr>
+              </a:solidFill>
+            </a:endParaRPr>
+          </a:p>
+        </p:txBody>
+      </p:sp>
+      <p:pic>
+        <p:nvPicPr>
+          <p:cNvPr id="6" name="Picture 5">
+            <a:extLst>
+              <a:ext uri="{FF2B5EF4-FFF2-40B4-BE49-F238E27FC236}">
+                <a16:creationId xmlns:a16="http://schemas.microsoft.com/office/drawing/2014/main" id="{B9F39E40-EE68-8350-7AB6-C9E2A7DE2A13}"/>
+              </a:ext>
+            </a:extLst>
+          </p:cNvPr>
+          <p:cNvPicPr>
+            <a:picLocks noChangeAspect="1"/>
+          </p:cNvPicPr>
+          <p:nvPr/>
+        </p:nvPicPr>
+        <p:blipFill>
+          <a:blip r:embed="rId3"/>
+          <a:stretch>
+            <a:fillRect/>
+          </a:stretch>
+        </p:blipFill>
+        <p:spPr>
+          <a:xfrm>
+            <a:off x="7499780" y="1690688"/>
+            <a:ext cx="4405005" cy="4157785"/>
+          </a:xfrm>
+          <a:prstGeom prst="rect">
+            <a:avLst/>
+          </a:prstGeom>
+        </p:spPr>
+      </p:pic>
+      <p:pic>
+        <p:nvPicPr>
+          <p:cNvPr id="8" name="Picture 7">
+            <a:extLst>
+              <a:ext uri="{FF2B5EF4-FFF2-40B4-BE49-F238E27FC236}">
+                <a16:creationId xmlns:a16="http://schemas.microsoft.com/office/drawing/2014/main" id="{43E9336B-4587-9148-C170-7DDF9084500A}"/>
+              </a:ext>
+            </a:extLst>
+          </p:cNvPr>
+          <p:cNvPicPr>
+            <a:picLocks noChangeAspect="1"/>
+          </p:cNvPicPr>
+          <p:nvPr/>
+        </p:nvPicPr>
+        <p:blipFill>
+          <a:blip r:embed="rId4"/>
+          <a:stretch>
+            <a:fillRect/>
+          </a:stretch>
+        </p:blipFill>
+        <p:spPr>
+          <a:xfrm>
+            <a:off x="1597210" y="3885093"/>
+            <a:ext cx="4405006" cy="824582"/>
+          </a:xfrm>
+          <a:prstGeom prst="rect">
+            <a:avLst/>
+          </a:prstGeom>
+        </p:spPr>
+      </p:pic>
+      <p:pic>
+        <p:nvPicPr>
+          <p:cNvPr id="10" name="Picture 9">
+            <a:extLst>
+              <a:ext uri="{FF2B5EF4-FFF2-40B4-BE49-F238E27FC236}">
+                <a16:creationId xmlns:a16="http://schemas.microsoft.com/office/drawing/2014/main" id="{28455D55-B461-D783-E632-EAD0687CDFDD}"/>
+              </a:ext>
+            </a:extLst>
+          </p:cNvPr>
+          <p:cNvPicPr>
+            <a:picLocks noChangeAspect="1"/>
+          </p:cNvPicPr>
+          <p:nvPr/>
+        </p:nvPicPr>
+        <p:blipFill rotWithShape="1">
+          <a:blip r:embed="rId5"/>
+          <a:srcRect t="63941" r="5228"/>
+          <a:stretch/>
+        </p:blipFill>
+        <p:spPr>
+          <a:xfrm>
+            <a:off x="2989385" y="4850021"/>
+            <a:ext cx="2482363" cy="1879579"/>
+          </a:xfrm>
+          <a:prstGeom prst="rect">
+            <a:avLst/>
+          </a:prstGeom>
+        </p:spPr>
+      </p:pic>
     </p:spTree>
     <p:extLst>
       <p:ext uri="{BB962C8B-B14F-4D97-AF65-F5344CB8AC3E}">
@@ -6887,10 +7344,10 @@
       </p:grpSpPr>
       <p:sp>
         <p:nvSpPr>
-          <p:cNvPr id="4" name="Rectangle: Diagonal Corners Snipped 3">
-            <a:extLst>
-              <a:ext uri="{FF2B5EF4-FFF2-40B4-BE49-F238E27FC236}">
-                <a16:creationId xmlns:a16="http://schemas.microsoft.com/office/drawing/2014/main" id="{5A7A049A-02BB-7905-AD0F-3896DCFCDE78}"/>
+          <p:cNvPr id="8" name="Rectangle: Diagonal Corners Snipped 7">
+            <a:extLst>
+              <a:ext uri="{FF2B5EF4-FFF2-40B4-BE49-F238E27FC236}">
+                <a16:creationId xmlns:a16="http://schemas.microsoft.com/office/drawing/2014/main" id="{68A3D41A-8851-5020-9E7A-3D8BAE032826}"/>
               </a:ext>
             </a:extLst>
           </p:cNvPr>
@@ -6898,7 +7355,7 @@
           <p:nvPr/>
         </p:nvSpPr>
         <p:spPr>
-          <a:xfrm>
+          <a:xfrm rot="10800000" flipH="1">
             <a:off x="0" y="0"/>
             <a:ext cx="12192000" cy="6858000"/>
           </a:xfrm>
@@ -6906,491 +7363,6 @@
             <a:avLst/>
           </a:prstGeom>
           <a:ln w="57150">
-            <a:solidFill>
-              <a:schemeClr val="accent2"/>
-            </a:solidFill>
-            <a:prstDash val="sysDash"/>
-          </a:ln>
-        </p:spPr>
-        <p:style>
-          <a:lnRef idx="2">
-            <a:schemeClr val="accent2"/>
-          </a:lnRef>
-          <a:fillRef idx="1">
-            <a:schemeClr val="lt1"/>
-          </a:fillRef>
-          <a:effectRef idx="0">
-            <a:schemeClr val="accent2"/>
-          </a:effectRef>
-          <a:fontRef idx="minor">
-            <a:schemeClr val="dk1"/>
-          </a:fontRef>
-        </p:style>
-        <p:txBody>
-          <a:bodyPr rtlCol="0" anchor="ctr"/>
-          <a:lstStyle/>
-          <a:p>
-            <a:pPr algn="ctr"/>
-            <a:endParaRPr lang="en-US" dirty="0"/>
-          </a:p>
-        </p:txBody>
-      </p:sp>
-      <p:sp>
-        <p:nvSpPr>
-          <p:cNvPr id="2" name="Title 1">
-            <a:extLst>
-              <a:ext uri="{FF2B5EF4-FFF2-40B4-BE49-F238E27FC236}">
-                <a16:creationId xmlns:a16="http://schemas.microsoft.com/office/drawing/2014/main" id="{9917D819-851E-FA77-E701-00C35E33ACA8}"/>
-              </a:ext>
-            </a:extLst>
-          </p:cNvPr>
-          <p:cNvSpPr>
-            <a:spLocks noGrp="1"/>
-          </p:cNvSpPr>
-          <p:nvPr>
-            <p:ph type="title"/>
-          </p:nvPr>
-        </p:nvSpPr>
-        <p:spPr/>
-        <p:txBody>
-          <a:bodyPr/>
-          <a:lstStyle/>
-          <a:p>
-            <a:r>
-              <a:rPr lang="en-US" b="1" dirty="0">
-                <a:solidFill>
-                  <a:srgbClr val="00B050"/>
-                </a:solidFill>
-              </a:rPr>
-              <a:t>Border-style</a:t>
-            </a:r>
-          </a:p>
-        </p:txBody>
-      </p:sp>
-      <p:sp>
-        <p:nvSpPr>
-          <p:cNvPr id="3" name="Content Placeholder 2">
-            <a:extLst>
-              <a:ext uri="{FF2B5EF4-FFF2-40B4-BE49-F238E27FC236}">
-                <a16:creationId xmlns:a16="http://schemas.microsoft.com/office/drawing/2014/main" id="{DCF4C9B5-FCD9-3594-27C8-BEC542C34915}"/>
-              </a:ext>
-            </a:extLst>
-          </p:cNvPr>
-          <p:cNvSpPr>
-            <a:spLocks noGrp="1"/>
-          </p:cNvSpPr>
-          <p:nvPr>
-            <p:ph idx="1"/>
-          </p:nvPr>
-        </p:nvSpPr>
-        <p:spPr>
-          <a:xfrm>
-            <a:off x="838200" y="1690688"/>
-            <a:ext cx="10515600" cy="4351338"/>
-          </a:xfrm>
-        </p:spPr>
-        <p:txBody>
-          <a:bodyPr numCol="2">
-            <a:normAutofit/>
-          </a:bodyPr>
-          <a:lstStyle/>
-          <a:p>
-            <a:r>
-              <a:rPr lang="en-US" b="0" i="0" dirty="0">
-                <a:solidFill>
-                  <a:srgbClr val="000000"/>
-                </a:solidFill>
-                <a:effectLst/>
-                <a:latin typeface="Verdana" panose="020B0604030504040204" pitchFamily="34" charset="0"/>
-              </a:rPr>
-              <a:t>Specifies the style of the border. Default value is "none“</a:t>
-            </a:r>
-          </a:p>
-          <a:p>
-            <a:r>
-              <a:rPr lang="en-US" dirty="0">
-                <a:solidFill>
-                  <a:srgbClr val="000000"/>
-                </a:solidFill>
-                <a:latin typeface="Verdana" panose="020B0604030504040204" pitchFamily="34" charset="0"/>
-              </a:rPr>
-              <a:t>Values:</a:t>
-            </a:r>
-          </a:p>
-          <a:p>
-            <a:pPr lvl="1"/>
-            <a:r>
-              <a:rPr lang="en-US" dirty="0">
-                <a:solidFill>
-                  <a:schemeClr val="accent1"/>
-                </a:solidFill>
-                <a:latin typeface="Verdana" panose="020B0604030504040204" pitchFamily="34" charset="0"/>
-              </a:rPr>
-              <a:t>Solid</a:t>
-            </a:r>
-          </a:p>
-          <a:p>
-            <a:pPr lvl="1"/>
-            <a:r>
-              <a:rPr lang="en-US" dirty="0">
-                <a:solidFill>
-                  <a:schemeClr val="accent1"/>
-                </a:solidFill>
-                <a:latin typeface="Verdana" panose="020B0604030504040204" pitchFamily="34" charset="0"/>
-              </a:rPr>
-              <a:t>Dotted</a:t>
-            </a:r>
-          </a:p>
-          <a:p>
-            <a:pPr lvl="1"/>
-            <a:r>
-              <a:rPr lang="en-US" dirty="0">
-                <a:solidFill>
-                  <a:schemeClr val="accent1"/>
-                </a:solidFill>
-                <a:latin typeface="Verdana" panose="020B0604030504040204" pitchFamily="34" charset="0"/>
-              </a:rPr>
-              <a:t>Dashed</a:t>
-            </a:r>
-          </a:p>
-          <a:p>
-            <a:pPr lvl="1"/>
-            <a:r>
-              <a:rPr lang="en-US" dirty="0">
-                <a:solidFill>
-                  <a:schemeClr val="accent1"/>
-                </a:solidFill>
-                <a:latin typeface="Verdana" panose="020B0604030504040204" pitchFamily="34" charset="0"/>
-              </a:rPr>
-              <a:t>Inset</a:t>
-            </a:r>
-          </a:p>
-          <a:p>
-            <a:pPr lvl="1"/>
-            <a:r>
-              <a:rPr lang="en-US" dirty="0">
-                <a:solidFill>
-                  <a:schemeClr val="accent1"/>
-                </a:solidFill>
-                <a:latin typeface="Verdana" panose="020B0604030504040204" pitchFamily="34" charset="0"/>
-              </a:rPr>
-              <a:t>Outset</a:t>
-            </a:r>
-          </a:p>
-          <a:p>
-            <a:pPr lvl="1"/>
-            <a:r>
-              <a:rPr lang="en-US" dirty="0">
-                <a:solidFill>
-                  <a:schemeClr val="accent1"/>
-                </a:solidFill>
-                <a:latin typeface="Verdana" panose="020B0604030504040204" pitchFamily="34" charset="0"/>
-              </a:rPr>
-              <a:t>Ridge</a:t>
-            </a:r>
-          </a:p>
-          <a:p>
-            <a:pPr lvl="1"/>
-            <a:endParaRPr lang="en-US" dirty="0">
-              <a:solidFill>
-                <a:srgbClr val="000000"/>
-              </a:solidFill>
-              <a:latin typeface="Verdana" panose="020B0604030504040204" pitchFamily="34" charset="0"/>
-            </a:endParaRPr>
-          </a:p>
-          <a:p>
-            <a:pPr lvl="1"/>
-            <a:endParaRPr lang="en-US" dirty="0">
-              <a:solidFill>
-                <a:srgbClr val="000000"/>
-              </a:solidFill>
-              <a:latin typeface="Verdana" panose="020B0604030504040204" pitchFamily="34" charset="0"/>
-            </a:endParaRPr>
-          </a:p>
-          <a:p>
-            <a:pPr lvl="1"/>
-            <a:endParaRPr lang="en-US" dirty="0">
-              <a:solidFill>
-                <a:srgbClr val="000000"/>
-              </a:solidFill>
-              <a:latin typeface="Verdana" panose="020B0604030504040204" pitchFamily="34" charset="0"/>
-            </a:endParaRPr>
-          </a:p>
-          <a:p>
-            <a:pPr lvl="1"/>
-            <a:endParaRPr lang="en-US" dirty="0">
-              <a:solidFill>
-                <a:srgbClr val="000000"/>
-              </a:solidFill>
-              <a:latin typeface="Verdana" panose="020B0604030504040204" pitchFamily="34" charset="0"/>
-            </a:endParaRPr>
-          </a:p>
-          <a:p>
-            <a:pPr lvl="1"/>
-            <a:r>
-              <a:rPr lang="en-US" dirty="0">
-                <a:solidFill>
-                  <a:schemeClr val="accent1"/>
-                </a:solidFill>
-                <a:latin typeface="Verdana" panose="020B0604030504040204" pitchFamily="34" charset="0"/>
-              </a:rPr>
-              <a:t>Groove</a:t>
-            </a:r>
-          </a:p>
-          <a:p>
-            <a:pPr lvl="1"/>
-            <a:r>
-              <a:rPr lang="en-US" dirty="0">
-                <a:solidFill>
-                  <a:schemeClr val="accent1"/>
-                </a:solidFill>
-                <a:latin typeface="Verdana" panose="020B0604030504040204" pitchFamily="34" charset="0"/>
-              </a:rPr>
-              <a:t>Double</a:t>
-            </a:r>
-          </a:p>
-          <a:p>
-            <a:pPr lvl="1"/>
-            <a:r>
-              <a:rPr lang="en-US" dirty="0">
-                <a:solidFill>
-                  <a:schemeClr val="accent1"/>
-                </a:solidFill>
-                <a:latin typeface="Verdana" panose="020B0604030504040204" pitchFamily="34" charset="0"/>
-              </a:rPr>
-              <a:t>none</a:t>
-            </a:r>
-          </a:p>
-          <a:p>
-            <a:pPr lvl="1"/>
-            <a:r>
-              <a:rPr lang="en-US" dirty="0">
-                <a:solidFill>
-                  <a:schemeClr val="accent1"/>
-                </a:solidFill>
-                <a:latin typeface="Verdana" panose="020B0604030504040204" pitchFamily="34" charset="0"/>
-              </a:rPr>
-              <a:t>Hidden</a:t>
-            </a:r>
-          </a:p>
-          <a:p>
-            <a:pPr lvl="1"/>
-            <a:endParaRPr lang="en-US" dirty="0">
-              <a:solidFill>
-                <a:srgbClr val="000000"/>
-              </a:solidFill>
-              <a:latin typeface="Verdana" panose="020B0604030504040204" pitchFamily="34" charset="0"/>
-            </a:endParaRPr>
-          </a:p>
-        </p:txBody>
-      </p:sp>
-    </p:spTree>
-    <p:extLst>
-      <p:ext uri="{BB962C8B-B14F-4D97-AF65-F5344CB8AC3E}">
-        <p14:creationId xmlns:p14="http://schemas.microsoft.com/office/powerpoint/2010/main" val="3715975995"/>
-      </p:ext>
-    </p:extLst>
-  </p:cSld>
-  <p:clrMapOvr>
-    <a:masterClrMapping/>
-  </p:clrMapOvr>
-</p:sld>
-</file>
-
-<file path=ppt/slides/slide7.xml><?xml version="1.0" encoding="utf-8"?>
-<p:sld xmlns:a="http://schemas.openxmlformats.org/drawingml/2006/main" xmlns:r="http://schemas.openxmlformats.org/officeDocument/2006/relationships" xmlns:p="http://schemas.openxmlformats.org/presentationml/2006/main">
-  <p:cSld>
-    <p:bg>
-      <p:bgRef idx="1001">
-        <a:schemeClr val="bg1"/>
-      </p:bgRef>
-    </p:bg>
-    <p:spTree>
-      <p:nvGrpSpPr>
-        <p:cNvPr id="1" name=""/>
-        <p:cNvGrpSpPr/>
-        <p:nvPr/>
-      </p:nvGrpSpPr>
-      <p:grpSpPr>
-        <a:xfrm>
-          <a:off x="0" y="0"/>
-          <a:ext cx="0" cy="0"/>
-          <a:chOff x="0" y="0"/>
-          <a:chExt cx="0" cy="0"/>
-        </a:xfrm>
-      </p:grpSpPr>
-      <p:sp>
-        <p:nvSpPr>
-          <p:cNvPr id="4" name="Rectangle: Diagonal Corners Snipped 3">
-            <a:extLst>
-              <a:ext uri="{FF2B5EF4-FFF2-40B4-BE49-F238E27FC236}">
-                <a16:creationId xmlns:a16="http://schemas.microsoft.com/office/drawing/2014/main" id="{5A7A049A-02BB-7905-AD0F-3896DCFCDE78}"/>
-              </a:ext>
-            </a:extLst>
-          </p:cNvPr>
-          <p:cNvSpPr/>
-          <p:nvPr/>
-        </p:nvSpPr>
-        <p:spPr>
-          <a:xfrm rot="10800000">
-            <a:off x="0" y="0"/>
-            <a:ext cx="12192000" cy="6858000"/>
-          </a:xfrm>
-          <a:prstGeom prst="snip2DiagRect">
-            <a:avLst/>
-          </a:prstGeom>
-          <a:ln w="57150">
-            <a:solidFill>
-              <a:schemeClr val="accent2"/>
-            </a:solidFill>
-          </a:ln>
-          <a:effectLst>
-            <a:glow rad="139700">
-              <a:schemeClr val="accent3">
-                <a:satMod val="175000"/>
-                <a:alpha val="40000"/>
-              </a:schemeClr>
-            </a:glow>
-            <a:outerShdw blurRad="50800" dist="38100" dir="10800000" algn="r" rotWithShape="0">
-              <a:prstClr val="black">
-                <a:alpha val="40000"/>
-              </a:prstClr>
-            </a:outerShdw>
-          </a:effectLst>
-        </p:spPr>
-        <p:style>
-          <a:lnRef idx="2">
-            <a:schemeClr val="accent2"/>
-          </a:lnRef>
-          <a:fillRef idx="1">
-            <a:schemeClr val="lt1"/>
-          </a:fillRef>
-          <a:effectRef idx="0">
-            <a:schemeClr val="accent2"/>
-          </a:effectRef>
-          <a:fontRef idx="minor">
-            <a:schemeClr val="dk1"/>
-          </a:fontRef>
-        </p:style>
-        <p:txBody>
-          <a:bodyPr rtlCol="0" anchor="ctr"/>
-          <a:lstStyle/>
-          <a:p>
-            <a:pPr algn="ctr"/>
-            <a:endParaRPr lang="en-US" dirty="0"/>
-          </a:p>
-        </p:txBody>
-      </p:sp>
-      <p:sp>
-        <p:nvSpPr>
-          <p:cNvPr id="2" name="Title 1">
-            <a:extLst>
-              <a:ext uri="{FF2B5EF4-FFF2-40B4-BE49-F238E27FC236}">
-                <a16:creationId xmlns:a16="http://schemas.microsoft.com/office/drawing/2014/main" id="{9917D819-851E-FA77-E701-00C35E33ACA8}"/>
-              </a:ext>
-            </a:extLst>
-          </p:cNvPr>
-          <p:cNvSpPr>
-            <a:spLocks noGrp="1"/>
-          </p:cNvSpPr>
-          <p:nvPr>
-            <p:ph type="title"/>
-          </p:nvPr>
-        </p:nvSpPr>
-        <p:spPr/>
-        <p:txBody>
-          <a:bodyPr/>
-          <a:lstStyle/>
-          <a:p>
-            <a:endParaRPr lang="en-US" dirty="0"/>
-          </a:p>
-        </p:txBody>
-      </p:sp>
-      <p:sp>
-        <p:nvSpPr>
-          <p:cNvPr id="3" name="Content Placeholder 2">
-            <a:extLst>
-              <a:ext uri="{FF2B5EF4-FFF2-40B4-BE49-F238E27FC236}">
-                <a16:creationId xmlns:a16="http://schemas.microsoft.com/office/drawing/2014/main" id="{DCF4C9B5-FCD9-3594-27C8-BEC542C34915}"/>
-              </a:ext>
-            </a:extLst>
-          </p:cNvPr>
-          <p:cNvSpPr>
-            <a:spLocks noGrp="1"/>
-          </p:cNvSpPr>
-          <p:nvPr>
-            <p:ph idx="1"/>
-          </p:nvPr>
-        </p:nvSpPr>
-        <p:spPr/>
-        <p:txBody>
-          <a:bodyPr/>
-          <a:lstStyle/>
-          <a:p>
-            <a:endParaRPr lang="en-US" dirty="0">
-              <a:solidFill>
-                <a:srgbClr val="00B050"/>
-              </a:solidFill>
-            </a:endParaRPr>
-          </a:p>
-        </p:txBody>
-      </p:sp>
-    </p:spTree>
-    <p:extLst>
-      <p:ext uri="{BB962C8B-B14F-4D97-AF65-F5344CB8AC3E}">
-        <p14:creationId xmlns:p14="http://schemas.microsoft.com/office/powerpoint/2010/main" val="3901861615"/>
-      </p:ext>
-    </p:extLst>
-  </p:cSld>
-  <p:clrMapOvr>
-    <a:overrideClrMapping bg1="lt1" tx1="dk1" bg2="lt2" tx2="dk2" accent1="accent1" accent2="accent2" accent3="accent3" accent4="accent4" accent5="accent5" accent6="accent6" hlink="hlink" folHlink="folHlink"/>
-  </p:clrMapOvr>
-</p:sld>
-</file>
-
-<file path=ppt/slides/slide8.xml><?xml version="1.0" encoding="utf-8"?>
-<p:sld xmlns:a="http://schemas.openxmlformats.org/drawingml/2006/main" xmlns:r="http://schemas.openxmlformats.org/officeDocument/2006/relationships" xmlns:p="http://schemas.openxmlformats.org/presentationml/2006/main">
-  <p:cSld>
-    <p:bg>
-      <p:bgRef idx="1001">
-        <a:schemeClr val="bg1"/>
-      </p:bgRef>
-    </p:bg>
-    <p:spTree>
-      <p:nvGrpSpPr>
-        <p:cNvPr id="1" name=""/>
-        <p:cNvGrpSpPr/>
-        <p:nvPr/>
-      </p:nvGrpSpPr>
-      <p:grpSpPr>
-        <a:xfrm>
-          <a:off x="0" y="0"/>
-          <a:ext cx="0" cy="0"/>
-          <a:chOff x="0" y="0"/>
-          <a:chExt cx="0" cy="0"/>
-        </a:xfrm>
-      </p:grpSpPr>
-      <p:sp>
-        <p:nvSpPr>
-          <p:cNvPr id="4" name="Rectangle: Diagonal Corners Snipped 3">
-            <a:extLst>
-              <a:ext uri="{FF2B5EF4-FFF2-40B4-BE49-F238E27FC236}">
-                <a16:creationId xmlns:a16="http://schemas.microsoft.com/office/drawing/2014/main" id="{5A7A049A-02BB-7905-AD0F-3896DCFCDE78}"/>
-              </a:ext>
-            </a:extLst>
-          </p:cNvPr>
-          <p:cNvSpPr/>
-          <p:nvPr/>
-        </p:nvSpPr>
-        <p:spPr>
-          <a:xfrm>
-            <a:off x="0" y="0"/>
-            <a:ext cx="12192000" cy="6858000"/>
-          </a:xfrm>
-          <a:prstGeom prst="snip2DiagRect">
-            <a:avLst/>
-          </a:prstGeom>
-          <a:ln w="38100">
             <a:solidFill>
               <a:schemeClr val="accent2"/>
             </a:solidFill>
@@ -7424,7 +7396,7 @@
           <p:cNvPr id="2" name="Title 1">
             <a:extLst>
               <a:ext uri="{FF2B5EF4-FFF2-40B4-BE49-F238E27FC236}">
-                <a16:creationId xmlns:a16="http://schemas.microsoft.com/office/drawing/2014/main" id="{9917D819-851E-FA77-E701-00C35E33ACA8}"/>
+                <a16:creationId xmlns:a16="http://schemas.microsoft.com/office/drawing/2014/main" id="{F5AB2953-DDBA-6F4F-0343-D164584BF2EB}"/>
               </a:ext>
             </a:extLst>
           </p:cNvPr>
@@ -7435,67 +7407,102 @@
             <p:ph type="title"/>
           </p:nvPr>
         </p:nvSpPr>
+        <p:spPr/>
+        <p:txBody>
+          <a:bodyPr/>
+          <a:lstStyle/>
+          <a:p>
+            <a:r>
+              <a:rPr lang="en-US" dirty="0">
+                <a:solidFill>
+                  <a:srgbClr val="202124"/>
+                </a:solidFill>
+                <a:latin typeface="Google Sans"/>
+              </a:rPr>
+              <a:t>Sources</a:t>
+            </a:r>
+          </a:p>
+        </p:txBody>
+      </p:sp>
+      <p:sp>
+        <p:nvSpPr>
+          <p:cNvPr id="3" name="Content Placeholder 2">
+            <a:extLst>
+              <a:ext uri="{FF2B5EF4-FFF2-40B4-BE49-F238E27FC236}">
+                <a16:creationId xmlns:a16="http://schemas.microsoft.com/office/drawing/2014/main" id="{2EB41E12-E3B8-7E52-788C-D4E551DB7D9B}"/>
+              </a:ext>
+            </a:extLst>
+          </p:cNvPr>
+          <p:cNvSpPr>
+            <a:spLocks noGrp="1"/>
+          </p:cNvSpPr>
+          <p:nvPr>
+            <p:ph idx="1"/>
+          </p:nvPr>
+        </p:nvSpPr>
+        <p:spPr/>
+        <p:txBody>
+          <a:bodyPr/>
+          <a:lstStyle/>
+          <a:p>
+            <a:r>
+              <a:rPr lang="en-US" dirty="0">
+                <a:solidFill>
+                  <a:srgbClr val="00B050"/>
+                </a:solidFill>
+              </a:rPr>
+              <a:t>This is where you can view files</a:t>
+            </a:r>
+          </a:p>
+          <a:p>
+            <a:endParaRPr lang="en-US" dirty="0"/>
+          </a:p>
+        </p:txBody>
+      </p:sp>
+      <p:pic>
+        <p:nvPicPr>
+          <p:cNvPr id="5" name="Picture 4">
+            <a:extLst>
+              <a:ext uri="{FF2B5EF4-FFF2-40B4-BE49-F238E27FC236}">
+                <a16:creationId xmlns:a16="http://schemas.microsoft.com/office/drawing/2014/main" id="{3C7DFEA9-CB8B-443A-EB74-118B4A9C664E}"/>
+              </a:ext>
+            </a:extLst>
+          </p:cNvPr>
+          <p:cNvPicPr>
+            <a:picLocks noChangeAspect="1"/>
+          </p:cNvPicPr>
+          <p:nvPr/>
+        </p:nvPicPr>
+        <p:blipFill>
+          <a:blip r:embed="rId2"/>
+          <a:stretch>
+            <a:fillRect/>
+          </a:stretch>
+        </p:blipFill>
         <p:spPr>
           <a:xfrm>
-            <a:off x="838200" y="421253"/>
-            <a:ext cx="10515600" cy="1325563"/>
+            <a:off x="838200" y="2242752"/>
+            <a:ext cx="6776476" cy="4069148"/>
           </a:xfrm>
+          <a:prstGeom prst="rect">
+            <a:avLst/>
+          </a:prstGeom>
         </p:spPr>
-        <p:txBody>
-          <a:bodyPr/>
-          <a:lstStyle/>
-          <a:p>
-            <a:endParaRPr lang="en-US" dirty="0"/>
-          </a:p>
-        </p:txBody>
-      </p:sp>
-      <p:sp>
-        <p:nvSpPr>
-          <p:cNvPr id="5" name="Content Placeholder 4">
-            <a:extLst>
-              <a:ext uri="{FF2B5EF4-FFF2-40B4-BE49-F238E27FC236}">
-                <a16:creationId xmlns:a16="http://schemas.microsoft.com/office/drawing/2014/main" id="{047D8EBB-E483-DCEB-3B88-C8013826B25D}"/>
-              </a:ext>
-            </a:extLst>
-          </p:cNvPr>
-          <p:cNvSpPr>
-            <a:spLocks noGrp="1"/>
-          </p:cNvSpPr>
-          <p:nvPr>
-            <p:ph idx="1"/>
-          </p:nvPr>
-        </p:nvSpPr>
-        <p:spPr>
-          <a:xfrm>
-            <a:off x="838200" y="5310553"/>
-            <a:ext cx="5433646" cy="866409"/>
-          </a:xfrm>
-        </p:spPr>
-        <p:txBody>
-          <a:bodyPr/>
-          <a:lstStyle/>
-          <a:p>
-            <a:pPr marL="0" indent="0">
-              <a:buNone/>
-            </a:pPr>
-            <a:endParaRPr lang="en-US" dirty="0"/>
-          </a:p>
-        </p:txBody>
-      </p:sp>
+      </p:pic>
     </p:spTree>
     <p:extLst>
       <p:ext uri="{BB962C8B-B14F-4D97-AF65-F5344CB8AC3E}">
-        <p14:creationId xmlns:p14="http://schemas.microsoft.com/office/powerpoint/2010/main" val="2597589618"/>
+        <p14:creationId xmlns:p14="http://schemas.microsoft.com/office/powerpoint/2010/main" val="3027675841"/>
       </p:ext>
     </p:extLst>
   </p:cSld>
   <p:clrMapOvr>
-    <a:overrideClrMapping bg1="lt1" tx1="dk1" bg2="lt2" tx2="dk2" accent1="accent1" accent2="accent2" accent3="accent3" accent4="accent4" accent5="accent5" accent6="accent6" hlink="hlink" folHlink="folHlink"/>
+    <a:masterClrMapping/>
   </p:clrMapOvr>
 </p:sld>
 </file>
 
-<file path=ppt/slides/slide9.xml><?xml version="1.0" encoding="utf-8"?>
+<file path=ppt/slides/slide7.xml><?xml version="1.0" encoding="utf-8"?>
 <p:sld xmlns:a="http://schemas.openxmlformats.org/drawingml/2006/main" xmlns:r="http://schemas.openxmlformats.org/officeDocument/2006/relationships" xmlns:p="http://schemas.openxmlformats.org/presentationml/2006/main">
   <p:cSld>
     <p:spTree>
@@ -7514,10 +7521,10 @@
       </p:grpSpPr>
       <p:sp>
         <p:nvSpPr>
-          <p:cNvPr id="4" name="Rectangle: Diagonal Corners Snipped 3">
-            <a:extLst>
-              <a:ext uri="{FF2B5EF4-FFF2-40B4-BE49-F238E27FC236}">
-                <a16:creationId xmlns:a16="http://schemas.microsoft.com/office/drawing/2014/main" id="{5A7A049A-02BB-7905-AD0F-3896DCFCDE78}"/>
+          <p:cNvPr id="20" name="Rectangle: Diagonal Corners Snipped 19">
+            <a:extLst>
+              <a:ext uri="{FF2B5EF4-FFF2-40B4-BE49-F238E27FC236}">
+                <a16:creationId xmlns:a16="http://schemas.microsoft.com/office/drawing/2014/main" id="{4853213B-65D2-11EB-78CA-3C19E13CD190}"/>
               </a:ext>
             </a:extLst>
           </p:cNvPr>
@@ -7525,14 +7532,14 @@
           <p:nvPr/>
         </p:nvSpPr>
         <p:spPr>
-          <a:xfrm>
-            <a:off x="0" y="41946"/>
+          <a:xfrm rot="10800000" flipH="1">
+            <a:off x="0" y="0"/>
             <a:ext cx="12192000" cy="6858000"/>
           </a:xfrm>
           <a:prstGeom prst="snip2DiagRect">
             <a:avLst/>
           </a:prstGeom>
-          <a:ln w="38100">
+          <a:ln w="57150">
             <a:solidFill>
               <a:schemeClr val="accent2"/>
             </a:solidFill>
@@ -7566,7 +7573,7 @@
           <p:cNvPr id="2" name="Title 1">
             <a:extLst>
               <a:ext uri="{FF2B5EF4-FFF2-40B4-BE49-F238E27FC236}">
-                <a16:creationId xmlns:a16="http://schemas.microsoft.com/office/drawing/2014/main" id="{9917D819-851E-FA77-E701-00C35E33ACA8}"/>
+                <a16:creationId xmlns:a16="http://schemas.microsoft.com/office/drawing/2014/main" id="{C136BD94-A25D-CA37-71ED-8B05E015D590}"/>
               </a:ext>
             </a:extLst>
           </p:cNvPr>
@@ -7577,24 +7584,553 @@
             <p:ph type="title"/>
           </p:nvPr>
         </p:nvSpPr>
+        <p:spPr/>
+        <p:txBody>
+          <a:bodyPr/>
+          <a:lstStyle/>
+          <a:p>
+            <a:r>
+              <a:rPr lang="en-US" dirty="0">
+                <a:solidFill>
+                  <a:srgbClr val="202124"/>
+                </a:solidFill>
+                <a:latin typeface="Google Sans"/>
+              </a:rPr>
+              <a:t>Inspect Network</a:t>
+            </a:r>
+          </a:p>
+        </p:txBody>
+      </p:sp>
+      <p:pic>
+        <p:nvPicPr>
+          <p:cNvPr id="5" name="Content Placeholder 4">
+            <a:extLst>
+              <a:ext uri="{FF2B5EF4-FFF2-40B4-BE49-F238E27FC236}">
+                <a16:creationId xmlns:a16="http://schemas.microsoft.com/office/drawing/2014/main" id="{507C1A7C-EDAB-D5AC-7EDC-21E799A2C7B6}"/>
+              </a:ext>
+            </a:extLst>
+          </p:cNvPr>
+          <p:cNvPicPr>
+            <a:picLocks noGrp="1" noChangeAspect="1"/>
+          </p:cNvPicPr>
+          <p:nvPr>
+            <p:ph idx="1"/>
+          </p:nvPr>
+        </p:nvPicPr>
+        <p:blipFill rotWithShape="1">
+          <a:blip r:embed="rId2"/>
+          <a:srcRect t="39884"/>
+          <a:stretch/>
+        </p:blipFill>
         <p:spPr>
           <a:xfrm>
-            <a:off x="838200" y="41946"/>
-            <a:ext cx="10515600" cy="1325563"/>
+            <a:off x="1658589" y="1946031"/>
+            <a:ext cx="8874821" cy="4285484"/>
           </a:xfrm>
         </p:spPr>
-        <p:txBody>
-          <a:bodyPr/>
-          <a:lstStyle/>
-          <a:p>
-            <a:endParaRPr lang="en-US" dirty="0"/>
-          </a:p>
-        </p:txBody>
-      </p:sp>
+      </p:pic>
+      <mc:AlternateContent xmlns:mc="http://schemas.openxmlformats.org/markup-compatibility/2006">
+        <mc:Choice xmlns:p14="http://schemas.microsoft.com/office/powerpoint/2010/main" Requires="p14">
+          <p:contentPart p14:bwMode="auto" r:id="rId3">
+            <p14:nvContentPartPr>
+              <p14:cNvPr id="13" name="Ink 12">
+                <a:extLst>
+                  <a:ext uri="{FF2B5EF4-FFF2-40B4-BE49-F238E27FC236}">
+                    <a16:creationId xmlns:a16="http://schemas.microsoft.com/office/drawing/2014/main" id="{A8DD11A4-3F35-4947-5EA3-2F96C5E460D7}"/>
+                  </a:ext>
+                </a:extLst>
+              </p14:cNvPr>
+              <p14:cNvContentPartPr/>
+              <p14:nvPr/>
+            </p14:nvContentPartPr>
+            <p14:xfrm>
+              <a:off x="5146329" y="2074449"/>
+              <a:ext cx="606240" cy="71640"/>
+            </p14:xfrm>
+          </p:contentPart>
+        </mc:Choice>
+        <mc:Fallback>
+          <p:pic>
+            <p:nvPicPr>
+              <p:cNvPr id="13" name="Ink 12">
+                <a:extLst>
+                  <a:ext uri="{FF2B5EF4-FFF2-40B4-BE49-F238E27FC236}">
+                    <a16:creationId xmlns:a16="http://schemas.microsoft.com/office/drawing/2014/main" id="{A8DD11A4-3F35-4947-5EA3-2F96C5E460D7}"/>
+                  </a:ext>
+                </a:extLst>
+              </p:cNvPr>
+              <p:cNvPicPr/>
+              <p:nvPr/>
+            </p:nvPicPr>
+            <p:blipFill>
+              <a:blip r:embed="rId4"/>
+              <a:stretch>
+                <a:fillRect/>
+              </a:stretch>
+            </p:blipFill>
+            <p:spPr>
+              <a:xfrm>
+                <a:off x="5092329" y="1966449"/>
+                <a:ext cx="713880" cy="287280"/>
+              </a:xfrm>
+              <a:prstGeom prst="rect">
+                <a:avLst/>
+              </a:prstGeom>
+            </p:spPr>
+          </p:pic>
+        </mc:Fallback>
+      </mc:AlternateContent>
+      <mc:AlternateContent xmlns:mc="http://schemas.openxmlformats.org/markup-compatibility/2006">
+        <mc:Choice xmlns:p14="http://schemas.microsoft.com/office/powerpoint/2010/main" Requires="p14">
+          <p:contentPart p14:bwMode="auto" r:id="rId5">
+            <p14:nvContentPartPr>
+              <p14:cNvPr id="14" name="Ink 13">
+                <a:extLst>
+                  <a:ext uri="{FF2B5EF4-FFF2-40B4-BE49-F238E27FC236}">
+                    <a16:creationId xmlns:a16="http://schemas.microsoft.com/office/drawing/2014/main" id="{FBBC2585-ECF5-E1E9-4E94-0E2DA507D303}"/>
+                  </a:ext>
+                </a:extLst>
+              </p14:cNvPr>
+              <p14:cNvContentPartPr/>
+              <p14:nvPr/>
+            </p14:nvContentPartPr>
+            <p14:xfrm>
+              <a:off x="1957809" y="2320689"/>
+              <a:ext cx="327960" cy="163800"/>
+            </p14:xfrm>
+          </p:contentPart>
+        </mc:Choice>
+        <mc:Fallback>
+          <p:pic>
+            <p:nvPicPr>
+              <p:cNvPr id="14" name="Ink 13">
+                <a:extLst>
+                  <a:ext uri="{FF2B5EF4-FFF2-40B4-BE49-F238E27FC236}">
+                    <a16:creationId xmlns:a16="http://schemas.microsoft.com/office/drawing/2014/main" id="{FBBC2585-ECF5-E1E9-4E94-0E2DA507D303}"/>
+                  </a:ext>
+                </a:extLst>
+              </p:cNvPr>
+              <p:cNvPicPr/>
+              <p:nvPr/>
+            </p:nvPicPr>
+            <p:blipFill>
+              <a:blip r:embed="rId6"/>
+              <a:stretch>
+                <a:fillRect/>
+              </a:stretch>
+            </p:blipFill>
+            <p:spPr>
+              <a:xfrm>
+                <a:off x="1903809" y="2213049"/>
+                <a:ext cx="435600" cy="379440"/>
+              </a:xfrm>
+              <a:prstGeom prst="rect">
+                <a:avLst/>
+              </a:prstGeom>
+            </p:spPr>
+          </p:pic>
+        </mc:Fallback>
+      </mc:AlternateContent>
+      <p:grpSp>
+        <p:nvGrpSpPr>
+          <p:cNvPr id="19" name="Group 18">
+            <a:extLst>
+              <a:ext uri="{FF2B5EF4-FFF2-40B4-BE49-F238E27FC236}">
+                <a16:creationId xmlns:a16="http://schemas.microsoft.com/office/drawing/2014/main" id="{CF2C9DAF-4B8D-4998-FC1F-55922FE0435D}"/>
+              </a:ext>
+            </a:extLst>
+          </p:cNvPr>
+          <p:cNvGrpSpPr/>
+          <p:nvPr/>
+        </p:nvGrpSpPr>
+        <p:grpSpPr>
+          <a:xfrm>
+            <a:off x="2202609" y="1944489"/>
+            <a:ext cx="3681360" cy="414360"/>
+            <a:chOff x="2202609" y="1944489"/>
+            <a:chExt cx="3681360" cy="414360"/>
+          </a:xfrm>
+        </p:grpSpPr>
+        <mc:AlternateContent xmlns:mc="http://schemas.openxmlformats.org/markup-compatibility/2006">
+          <mc:Choice xmlns:p14="http://schemas.microsoft.com/office/powerpoint/2010/main" Requires="p14">
+            <p:contentPart p14:bwMode="auto" r:id="rId7">
+              <p14:nvContentPartPr>
+                <p14:cNvPr id="15" name="Ink 14">
+                  <a:extLst>
+                    <a:ext uri="{FF2B5EF4-FFF2-40B4-BE49-F238E27FC236}">
+                      <a16:creationId xmlns:a16="http://schemas.microsoft.com/office/drawing/2014/main" id="{1B00EB98-6EF5-4A8B-EC6E-B06B616D0323}"/>
+                    </a:ext>
+                  </a:extLst>
+                </p14:cNvPr>
+                <p14:cNvContentPartPr/>
+                <p14:nvPr/>
+              </p14:nvContentPartPr>
+              <p14:xfrm>
+                <a:off x="5086929" y="1944489"/>
+                <a:ext cx="797040" cy="413280"/>
+              </p14:xfrm>
+            </p:contentPart>
+          </mc:Choice>
+          <mc:Fallback>
+            <p:pic>
+              <p:nvPicPr>
+                <p:cNvPr id="15" name="Ink 14">
+                  <a:extLst>
+                    <a:ext uri="{FF2B5EF4-FFF2-40B4-BE49-F238E27FC236}">
+                      <a16:creationId xmlns:a16="http://schemas.microsoft.com/office/drawing/2014/main" id="{1B00EB98-6EF5-4A8B-EC6E-B06B616D0323}"/>
+                    </a:ext>
+                  </a:extLst>
+                </p:cNvPr>
+                <p:cNvPicPr/>
+                <p:nvPr/>
+              </p:nvPicPr>
+              <p:blipFill>
+                <a:blip r:embed="rId8"/>
+                <a:stretch>
+                  <a:fillRect/>
+                </a:stretch>
+              </p:blipFill>
+              <p:spPr>
+                <a:xfrm>
+                  <a:off x="5078289" y="1935489"/>
+                  <a:ext cx="814680" cy="430920"/>
+                </a:xfrm>
+                <a:prstGeom prst="rect">
+                  <a:avLst/>
+                </a:prstGeom>
+              </p:spPr>
+            </p:pic>
+          </mc:Fallback>
+        </mc:AlternateContent>
+        <mc:AlternateContent xmlns:mc="http://schemas.openxmlformats.org/markup-compatibility/2006">
+          <mc:Choice xmlns:p14="http://schemas.microsoft.com/office/powerpoint/2010/main" Requires="p14">
+            <p:contentPart p14:bwMode="auto" r:id="rId9">
+              <p14:nvContentPartPr>
+                <p14:cNvPr id="16" name="Ink 15">
+                  <a:extLst>
+                    <a:ext uri="{FF2B5EF4-FFF2-40B4-BE49-F238E27FC236}">
+                      <a16:creationId xmlns:a16="http://schemas.microsoft.com/office/drawing/2014/main" id="{E5CE6972-62D9-0ACA-5A88-A2A6BCFEE40F}"/>
+                    </a:ext>
+                  </a:extLst>
+                </p14:cNvPr>
+                <p14:cNvContentPartPr/>
+                <p14:nvPr/>
+              </p14:nvContentPartPr>
+              <p14:xfrm>
+                <a:off x="2365329" y="2215569"/>
+                <a:ext cx="2687760" cy="90360"/>
+              </p14:xfrm>
+            </p:contentPart>
+          </mc:Choice>
+          <mc:Fallback>
+            <p:pic>
+              <p:nvPicPr>
+                <p:cNvPr id="16" name="Ink 15">
+                  <a:extLst>
+                    <a:ext uri="{FF2B5EF4-FFF2-40B4-BE49-F238E27FC236}">
+                      <a16:creationId xmlns:a16="http://schemas.microsoft.com/office/drawing/2014/main" id="{E5CE6972-62D9-0ACA-5A88-A2A6BCFEE40F}"/>
+                    </a:ext>
+                  </a:extLst>
+                </p:cNvPr>
+                <p:cNvPicPr/>
+                <p:nvPr/>
+              </p:nvPicPr>
+              <p:blipFill>
+                <a:blip r:embed="rId10"/>
+                <a:stretch>
+                  <a:fillRect/>
+                </a:stretch>
+              </p:blipFill>
+              <p:spPr>
+                <a:xfrm>
+                  <a:off x="2356329" y="2206569"/>
+                  <a:ext cx="2705400" cy="108000"/>
+                </a:xfrm>
+                <a:prstGeom prst="rect">
+                  <a:avLst/>
+                </a:prstGeom>
+              </p:spPr>
+            </p:pic>
+          </mc:Fallback>
+        </mc:AlternateContent>
+        <mc:AlternateContent xmlns:mc="http://schemas.openxmlformats.org/markup-compatibility/2006">
+          <mc:Choice xmlns:p14="http://schemas.microsoft.com/office/powerpoint/2010/main" Requires="p14">
+            <p:contentPart p14:bwMode="auto" r:id="rId11">
+              <p14:nvContentPartPr>
+                <p14:cNvPr id="17" name="Ink 16">
+                  <a:extLst>
+                    <a:ext uri="{FF2B5EF4-FFF2-40B4-BE49-F238E27FC236}">
+                      <a16:creationId xmlns:a16="http://schemas.microsoft.com/office/drawing/2014/main" id="{1D5FC8EA-A0F6-4760-0AFA-02F9ABFD1FAB}"/>
+                    </a:ext>
+                  </a:extLst>
+                </p14:cNvPr>
+                <p14:cNvContentPartPr/>
+                <p14:nvPr/>
+              </p14:nvContentPartPr>
+              <p14:xfrm>
+                <a:off x="2202609" y="2227089"/>
+                <a:ext cx="173520" cy="117720"/>
+              </p14:xfrm>
+            </p:contentPart>
+          </mc:Choice>
+          <mc:Fallback>
+            <p:pic>
+              <p:nvPicPr>
+                <p:cNvPr id="17" name="Ink 16">
+                  <a:extLst>
+                    <a:ext uri="{FF2B5EF4-FFF2-40B4-BE49-F238E27FC236}">
+                      <a16:creationId xmlns:a16="http://schemas.microsoft.com/office/drawing/2014/main" id="{1D5FC8EA-A0F6-4760-0AFA-02F9ABFD1FAB}"/>
+                    </a:ext>
+                  </a:extLst>
+                </p:cNvPr>
+                <p:cNvPicPr/>
+                <p:nvPr/>
+              </p:nvPicPr>
+              <p:blipFill>
+                <a:blip r:embed="rId12"/>
+                <a:stretch>
+                  <a:fillRect/>
+                </a:stretch>
+              </p:blipFill>
+              <p:spPr>
+                <a:xfrm>
+                  <a:off x="2193609" y="2218449"/>
+                  <a:ext cx="191160" cy="135360"/>
+                </a:xfrm>
+                <a:prstGeom prst="rect">
+                  <a:avLst/>
+                </a:prstGeom>
+              </p:spPr>
+            </p:pic>
+          </mc:Fallback>
+        </mc:AlternateContent>
+        <mc:AlternateContent xmlns:mc="http://schemas.openxmlformats.org/markup-compatibility/2006">
+          <mc:Choice xmlns:p14="http://schemas.microsoft.com/office/powerpoint/2010/main" Requires="p14">
+            <p:contentPart p14:bwMode="auto" r:id="rId13">
+              <p14:nvContentPartPr>
+                <p14:cNvPr id="18" name="Ink 17">
+                  <a:extLst>
+                    <a:ext uri="{FF2B5EF4-FFF2-40B4-BE49-F238E27FC236}">
+                      <a16:creationId xmlns:a16="http://schemas.microsoft.com/office/drawing/2014/main" id="{ADF655E1-B596-CD49-4DDA-D1A39197EFDC}"/>
+                    </a:ext>
+                  </a:extLst>
+                </p14:cNvPr>
+                <p14:cNvContentPartPr/>
+                <p14:nvPr/>
+              </p14:nvContentPartPr>
+              <p14:xfrm>
+                <a:off x="2226369" y="2223489"/>
+                <a:ext cx="185040" cy="135360"/>
+              </p14:xfrm>
+            </p:contentPart>
+          </mc:Choice>
+          <mc:Fallback>
+            <p:pic>
+              <p:nvPicPr>
+                <p:cNvPr id="18" name="Ink 17">
+                  <a:extLst>
+                    <a:ext uri="{FF2B5EF4-FFF2-40B4-BE49-F238E27FC236}">
+                      <a16:creationId xmlns:a16="http://schemas.microsoft.com/office/drawing/2014/main" id="{ADF655E1-B596-CD49-4DDA-D1A39197EFDC}"/>
+                    </a:ext>
+                  </a:extLst>
+                </p:cNvPr>
+                <p:cNvPicPr/>
+                <p:nvPr/>
+              </p:nvPicPr>
+              <p:blipFill>
+                <a:blip r:embed="rId14"/>
+                <a:stretch>
+                  <a:fillRect/>
+                </a:stretch>
+              </p:blipFill>
+              <p:spPr>
+                <a:xfrm>
+                  <a:off x="2217369" y="2214489"/>
+                  <a:ext cx="202680" cy="153000"/>
+                </a:xfrm>
+                <a:prstGeom prst="rect">
+                  <a:avLst/>
+                </a:prstGeom>
+              </p:spPr>
+            </p:pic>
+          </mc:Fallback>
+        </mc:AlternateContent>
+      </p:grpSp>
     </p:spTree>
     <p:extLst>
       <p:ext uri="{BB962C8B-B14F-4D97-AF65-F5344CB8AC3E}">
-        <p14:creationId xmlns:p14="http://schemas.microsoft.com/office/powerpoint/2010/main" val="2915599507"/>
+        <p14:creationId xmlns:p14="http://schemas.microsoft.com/office/powerpoint/2010/main" val="2593687861"/>
+      </p:ext>
+    </p:extLst>
+  </p:cSld>
+  <p:clrMapOvr>
+    <a:masterClrMapping/>
+  </p:clrMapOvr>
+</p:sld>
+</file>
+
+<file path=ppt/slides/slide8.xml><?xml version="1.0" encoding="utf-8"?>
+<p:sld xmlns:a="http://schemas.openxmlformats.org/drawingml/2006/main" xmlns:r="http://schemas.openxmlformats.org/officeDocument/2006/relationships" xmlns:p="http://schemas.openxmlformats.org/presentationml/2006/main">
+  <p:cSld>
+    <p:spTree>
+      <p:nvGrpSpPr>
+        <p:cNvPr id="1" name=""/>
+        <p:cNvGrpSpPr/>
+        <p:nvPr/>
+      </p:nvGrpSpPr>
+      <p:grpSpPr>
+        <a:xfrm>
+          <a:off x="0" y="0"/>
+          <a:ext cx="0" cy="0"/>
+          <a:chOff x="0" y="0"/>
+          <a:chExt cx="0" cy="0"/>
+        </a:xfrm>
+      </p:grpSpPr>
+      <p:sp>
+        <p:nvSpPr>
+          <p:cNvPr id="8" name="Rectangle: Diagonal Corners Snipped 7">
+            <a:extLst>
+              <a:ext uri="{FF2B5EF4-FFF2-40B4-BE49-F238E27FC236}">
+                <a16:creationId xmlns:a16="http://schemas.microsoft.com/office/drawing/2014/main" id="{68A3D41A-8851-5020-9E7A-3D8BAE032826}"/>
+              </a:ext>
+            </a:extLst>
+          </p:cNvPr>
+          <p:cNvSpPr/>
+          <p:nvPr/>
+        </p:nvSpPr>
+        <p:spPr>
+          <a:xfrm rot="10800000" flipH="1">
+            <a:off x="0" y="0"/>
+            <a:ext cx="12192000" cy="6858000"/>
+          </a:xfrm>
+          <a:prstGeom prst="snip2DiagRect">
+            <a:avLst/>
+          </a:prstGeom>
+          <a:ln w="57150">
+            <a:solidFill>
+              <a:schemeClr val="accent2"/>
+            </a:solidFill>
+          </a:ln>
+        </p:spPr>
+        <p:style>
+          <a:lnRef idx="2">
+            <a:schemeClr val="accent2"/>
+          </a:lnRef>
+          <a:fillRef idx="1">
+            <a:schemeClr val="lt1"/>
+          </a:fillRef>
+          <a:effectRef idx="0">
+            <a:schemeClr val="accent2"/>
+          </a:effectRef>
+          <a:fontRef idx="minor">
+            <a:schemeClr val="dk1"/>
+          </a:fontRef>
+        </p:style>
+        <p:txBody>
+          <a:bodyPr rtlCol="0" anchor="ctr"/>
+          <a:lstStyle/>
+          <a:p>
+            <a:pPr algn="ctr"/>
+            <a:endParaRPr lang="en-US"/>
+          </a:p>
+        </p:txBody>
+      </p:sp>
+      <p:sp>
+        <p:nvSpPr>
+          <p:cNvPr id="2" name="Title 1">
+            <a:extLst>
+              <a:ext uri="{FF2B5EF4-FFF2-40B4-BE49-F238E27FC236}">
+                <a16:creationId xmlns:a16="http://schemas.microsoft.com/office/drawing/2014/main" id="{F5AB2953-DDBA-6F4F-0343-D164584BF2EB}"/>
+              </a:ext>
+            </a:extLst>
+          </p:cNvPr>
+          <p:cNvSpPr>
+            <a:spLocks noGrp="1"/>
+          </p:cNvSpPr>
+          <p:nvPr>
+            <p:ph type="title"/>
+          </p:nvPr>
+        </p:nvSpPr>
+        <p:spPr/>
+        <p:txBody>
+          <a:bodyPr/>
+          <a:lstStyle/>
+          <a:p>
+            <a:r>
+              <a:rPr lang="en-US" dirty="0">
+                <a:solidFill>
+                  <a:srgbClr val="202124"/>
+                </a:solidFill>
+                <a:latin typeface="Google Sans"/>
+              </a:rPr>
+              <a:t>Performance and Memory</a:t>
+            </a:r>
+          </a:p>
+        </p:txBody>
+      </p:sp>
+      <p:pic>
+        <p:nvPicPr>
+          <p:cNvPr id="6" name="Content Placeholder 5">
+            <a:extLst>
+              <a:ext uri="{FF2B5EF4-FFF2-40B4-BE49-F238E27FC236}">
+                <a16:creationId xmlns:a16="http://schemas.microsoft.com/office/drawing/2014/main" id="{F6E2293C-D12F-4B60-82C4-192F82CE9A27}"/>
+              </a:ext>
+            </a:extLst>
+          </p:cNvPr>
+          <p:cNvPicPr>
+            <a:picLocks noGrp="1" noChangeAspect="1"/>
+          </p:cNvPicPr>
+          <p:nvPr>
+            <p:ph idx="1"/>
+          </p:nvPr>
+        </p:nvPicPr>
+        <p:blipFill>
+          <a:blip r:embed="rId2"/>
+          <a:stretch>
+            <a:fillRect/>
+          </a:stretch>
+        </p:blipFill>
+        <p:spPr>
+          <a:xfrm>
+            <a:off x="5383286" y="2055814"/>
+            <a:ext cx="6677008" cy="3575637"/>
+          </a:xfrm>
+        </p:spPr>
+      </p:pic>
+      <p:pic>
+        <p:nvPicPr>
+          <p:cNvPr id="9" name="Picture 8">
+            <a:extLst>
+              <a:ext uri="{FF2B5EF4-FFF2-40B4-BE49-F238E27FC236}">
+                <a16:creationId xmlns:a16="http://schemas.microsoft.com/office/drawing/2014/main" id="{2F481B27-9E46-2B37-83DA-C8E9C7B16199}"/>
+              </a:ext>
+            </a:extLst>
+          </p:cNvPr>
+          <p:cNvPicPr>
+            <a:picLocks noChangeAspect="1"/>
+          </p:cNvPicPr>
+          <p:nvPr/>
+        </p:nvPicPr>
+        <p:blipFill>
+          <a:blip r:embed="rId3"/>
+          <a:stretch>
+            <a:fillRect/>
+          </a:stretch>
+        </p:blipFill>
+        <p:spPr>
+          <a:xfrm>
+            <a:off x="409950" y="1637934"/>
+            <a:ext cx="4841631" cy="4794164"/>
+          </a:xfrm>
+          <a:prstGeom prst="rect">
+            <a:avLst/>
+          </a:prstGeom>
+        </p:spPr>
+      </p:pic>
+    </p:spTree>
+    <p:extLst>
+      <p:ext uri="{BB962C8B-B14F-4D97-AF65-F5344CB8AC3E}">
+        <p14:creationId xmlns:p14="http://schemas.microsoft.com/office/powerpoint/2010/main" val="437206684"/>
       </p:ext>
     </p:extLst>
   </p:cSld>
@@ -8192,90 +8728,4 @@
     </a:ext>
   </a:extLst>
 </a:theme>
-</file>
-
-<file path=ppt/theme/themeOverride1.xml><?xml version="1.0" encoding="utf-8"?>
-<a:themeOverride xmlns:a="http://schemas.openxmlformats.org/drawingml/2006/main">
-  <a:clrScheme name="Office">
-    <a:dk1>
-      <a:sysClr val="windowText" lastClr="000000"/>
-    </a:dk1>
-    <a:lt1>
-      <a:sysClr val="window" lastClr="FFFFFF"/>
-    </a:lt1>
-    <a:dk2>
-      <a:srgbClr val="44546A"/>
-    </a:dk2>
-    <a:lt2>
-      <a:srgbClr val="E7E6E6"/>
-    </a:lt2>
-    <a:accent1>
-      <a:srgbClr val="4472C4"/>
-    </a:accent1>
-    <a:accent2>
-      <a:srgbClr val="ED7D31"/>
-    </a:accent2>
-    <a:accent3>
-      <a:srgbClr val="A5A5A5"/>
-    </a:accent3>
-    <a:accent4>
-      <a:srgbClr val="FFC000"/>
-    </a:accent4>
-    <a:accent5>
-      <a:srgbClr val="5B9BD5"/>
-    </a:accent5>
-    <a:accent6>
-      <a:srgbClr val="70AD47"/>
-    </a:accent6>
-    <a:hlink>
-      <a:srgbClr val="0563C1"/>
-    </a:hlink>
-    <a:folHlink>
-      <a:srgbClr val="954F72"/>
-    </a:folHlink>
-  </a:clrScheme>
-</a:themeOverride>
-</file>
-
-<file path=ppt/theme/themeOverride2.xml><?xml version="1.0" encoding="utf-8"?>
-<a:themeOverride xmlns:a="http://schemas.openxmlformats.org/drawingml/2006/main">
-  <a:clrScheme name="Office">
-    <a:dk1>
-      <a:sysClr val="windowText" lastClr="000000"/>
-    </a:dk1>
-    <a:lt1>
-      <a:sysClr val="window" lastClr="FFFFFF"/>
-    </a:lt1>
-    <a:dk2>
-      <a:srgbClr val="44546A"/>
-    </a:dk2>
-    <a:lt2>
-      <a:srgbClr val="E7E6E6"/>
-    </a:lt2>
-    <a:accent1>
-      <a:srgbClr val="4472C4"/>
-    </a:accent1>
-    <a:accent2>
-      <a:srgbClr val="ED7D31"/>
-    </a:accent2>
-    <a:accent3>
-      <a:srgbClr val="A5A5A5"/>
-    </a:accent3>
-    <a:accent4>
-      <a:srgbClr val="FFC000"/>
-    </a:accent4>
-    <a:accent5>
-      <a:srgbClr val="5B9BD5"/>
-    </a:accent5>
-    <a:accent6>
-      <a:srgbClr val="70AD47"/>
-    </a:accent6>
-    <a:hlink>
-      <a:srgbClr val="0563C1"/>
-    </a:hlink>
-    <a:folHlink>
-      <a:srgbClr val="954F72"/>
-    </a:folHlink>
-  </a:clrScheme>
-</a:themeOverride>
 </file>